--- a/Prudential Insurance Machine Learning V1.0.pptx
+++ b/Prudential Insurance Machine Learning V1.0.pptx
@@ -5,7 +5,7 @@
     <p:sldMasterId id="2147483658" r:id="rId1"/>
   </p:sldMasterIdLst>
   <p:notesMasterIdLst>
-    <p:notesMasterId r:id="rId21"/>
+    <p:notesMasterId r:id="rId17"/>
   </p:notesMasterIdLst>
   <p:sldIdLst>
     <p:sldId id="256" r:id="rId2"/>
@@ -20,34 +20,26 @@
     <p:sldId id="310" r:id="rId11"/>
     <p:sldId id="308" r:id="rId12"/>
     <p:sldId id="309" r:id="rId13"/>
-    <p:sldId id="312" r:id="rId14"/>
-    <p:sldId id="315" r:id="rId15"/>
-    <p:sldId id="316" r:id="rId16"/>
-    <p:sldId id="303" r:id="rId17"/>
-    <p:sldId id="313" r:id="rId18"/>
-    <p:sldId id="314" r:id="rId19"/>
-    <p:sldId id="317" r:id="rId20"/>
+    <p:sldId id="303" r:id="rId14"/>
+    <p:sldId id="313" r:id="rId15"/>
+    <p:sldId id="317" r:id="rId16"/>
   </p:sldIdLst>
   <p:sldSz cx="9144000" cy="5143500" type="screen16x9"/>
   <p:notesSz cx="6858000" cy="9144000"/>
   <p:embeddedFontLst>
     <p:embeddedFont>
-      <p:font typeface="Arial Unicode MS" panose="020B0604020202020204" pitchFamily="34" charset="-128"/>
-      <p:regular r:id="rId22"/>
-    </p:embeddedFont>
-    <p:embeddedFont>
       <p:font typeface="Poppins" panose="020B0604020202020204" charset="0"/>
-      <p:regular r:id="rId23"/>
-      <p:bold r:id="rId24"/>
-      <p:italic r:id="rId25"/>
-      <p:boldItalic r:id="rId26"/>
+      <p:regular r:id="rId18"/>
+      <p:bold r:id="rId19"/>
+      <p:italic r:id="rId20"/>
+      <p:boldItalic r:id="rId21"/>
     </p:embeddedFont>
     <p:embeddedFont>
       <p:font typeface="Montserrat Light" panose="020B0604020202020204" charset="0"/>
-      <p:regular r:id="rId27"/>
-      <p:bold r:id="rId28"/>
-      <p:italic r:id="rId29"/>
-      <p:boldItalic r:id="rId30"/>
+      <p:regular r:id="rId22"/>
+      <p:bold r:id="rId23"/>
+      <p:italic r:id="rId24"/>
+      <p:boldItalic r:id="rId25"/>
     </p:embeddedFont>
   </p:embeddedFontLst>
   <p:defaultTextStyle>
@@ -9714,2874 +9706,6 @@
         </p:nvSpPr>
         <p:spPr>
           <a:xfrm>
-            <a:off x="252819" y="238577"/>
-            <a:ext cx="3587400" cy="410100"/>
-          </a:xfrm>
-        </p:spPr>
-        <p:txBody>
-          <a:bodyPr/>
-          <a:lstStyle/>
-          <a:p>
-            <a:r>
-              <a:rPr lang="en-US" sz="2400" b="0" dirty="0">
-                <a:solidFill>
-                  <a:srgbClr val="660033"/>
-                </a:solidFill>
-              </a:rPr>
-              <a:t>Linear Regression</a:t>
-            </a:r>
-          </a:p>
-        </p:txBody>
-      </p:sp>
-      <p:sp>
-        <p:nvSpPr>
-          <p:cNvPr id="4" name="Slide Number Placeholder 3"/>
-          <p:cNvSpPr>
-            <a:spLocks noGrp="1"/>
-          </p:cNvSpPr>
-          <p:nvPr>
-            <p:ph type="sldNum" idx="12"/>
-          </p:nvPr>
-        </p:nvSpPr>
-        <p:spPr/>
-        <p:txBody>
-          <a:bodyPr/>
-          <a:lstStyle/>
-          <a:p>
-            <a:pPr marL="0" lvl="0" indent="0" algn="ctr" rtl="0">
-              <a:spcBef>
-                <a:spcPts val="0"/>
-              </a:spcBef>
-              <a:spcAft>
-                <a:spcPts val="0"/>
-              </a:spcAft>
-              <a:buNone/>
-            </a:pPr>
-            <a:fld id="{00000000-1234-1234-1234-123412341234}" type="slidenum">
-              <a:rPr lang="en" smtClean="0"/>
-              <a:t>13</a:t>
-            </a:fld>
-            <a:endParaRPr lang="en"/>
-          </a:p>
-        </p:txBody>
-      </p:sp>
-      <p:sp>
-        <p:nvSpPr>
-          <p:cNvPr id="6" name="Rectangle 1"/>
-          <p:cNvSpPr>
-            <a:spLocks noChangeArrowheads="1"/>
-          </p:cNvSpPr>
-          <p:nvPr/>
-        </p:nvSpPr>
-        <p:spPr bwMode="auto">
-          <a:xfrm>
-            <a:off x="2883062" y="3075090"/>
-            <a:ext cx="3298908" cy="1323439"/>
-          </a:xfrm>
-          <a:prstGeom prst="rect">
-            <a:avLst/>
-          </a:prstGeom>
-          <a:solidFill>
-            <a:schemeClr val="accent5">
-              <a:lumMod val="20000"/>
-              <a:lumOff val="80000"/>
-            </a:schemeClr>
-          </a:solidFill>
-          <a:ln w="9525">
-            <a:solidFill>
-              <a:schemeClr val="tx1"/>
-            </a:solidFill>
-            <a:miter lim="800000"/>
-            <a:headEnd/>
-            <a:tailEnd/>
-          </a:ln>
-          <a:effectLst/>
-        </p:spPr>
-        <p:txBody>
-          <a:bodyPr vert="horz" wrap="square" lIns="91440" tIns="45720" rIns="91440" bIns="45720" numCol="1" anchor="ctr" anchorCtr="0" compatLnSpc="1">
-            <a:prstTxWarp prst="textNoShape">
-              <a:avLst/>
-            </a:prstTxWarp>
-            <a:spAutoFit/>
-          </a:bodyPr>
-          <a:lstStyle/>
-          <a:p>
-            <a:pPr marL="0" marR="0" lvl="0" indent="0" algn="l" defTabSz="914400" rtl="0" eaLnBrk="0" fontAlgn="base" latinLnBrk="0" hangingPunct="0">
-              <a:lnSpc>
-                <a:spcPct val="100000"/>
-              </a:lnSpc>
-              <a:spcBef>
-                <a:spcPct val="0"/>
-              </a:spcBef>
-              <a:spcAft>
-                <a:spcPct val="0"/>
-              </a:spcAft>
-              <a:buClrTx/>
-              <a:buSzTx/>
-              <a:buFontTx/>
-              <a:buNone/>
-              <a:tabLst/>
-            </a:pPr>
-            <a:r>
-              <a:rPr kumimoji="0" lang="en-US" altLang="en-US" sz="1600" b="0" i="0" u="none" strike="noStrike" cap="none" normalizeH="0" baseline="0" dirty="0" smtClean="0">
-                <a:ln>
-                  <a:noFill/>
-                </a:ln>
-                <a:solidFill>
-                  <a:srgbClr val="660033"/>
-                </a:solidFill>
-                <a:effectLst/>
-                <a:latin typeface="Arial Unicode MS" panose="020B0604020202020204" pitchFamily="34" charset="-128"/>
-              </a:rPr>
-              <a:t>MAE</a:t>
-            </a:r>
-            <a:r>
-              <a:rPr kumimoji="0" lang="en-US" altLang="en-US" sz="1600" b="0" i="0" u="none" strike="noStrike" cap="none" normalizeH="0" baseline="0" dirty="0" smtClean="0">
-                <a:ln>
-                  <a:noFill/>
-                </a:ln>
-                <a:solidFill>
-                  <a:schemeClr val="tx1"/>
-                </a:solidFill>
-                <a:effectLst/>
-                <a:latin typeface="Arial Unicode MS" panose="020B0604020202020204" pitchFamily="34" charset="-128"/>
-              </a:rPr>
-              <a:t> for test set is 1.75 </a:t>
-            </a:r>
-          </a:p>
-          <a:p>
-            <a:pPr marL="0" marR="0" lvl="0" indent="0" algn="l" defTabSz="914400" rtl="0" eaLnBrk="0" fontAlgn="base" latinLnBrk="0" hangingPunct="0">
-              <a:lnSpc>
-                <a:spcPct val="100000"/>
-              </a:lnSpc>
-              <a:spcBef>
-                <a:spcPct val="0"/>
-              </a:spcBef>
-              <a:spcAft>
-                <a:spcPct val="0"/>
-              </a:spcAft>
-              <a:buClrTx/>
-              <a:buSzTx/>
-              <a:buFontTx/>
-              <a:buNone/>
-              <a:tabLst/>
-            </a:pPr>
-            <a:r>
-              <a:rPr kumimoji="0" lang="en-US" altLang="en-US" sz="1600" b="0" i="0" u="none" strike="noStrike" cap="none" normalizeH="0" baseline="0" dirty="0" smtClean="0">
-                <a:ln>
-                  <a:noFill/>
-                </a:ln>
-                <a:solidFill>
-                  <a:srgbClr val="660033"/>
-                </a:solidFill>
-                <a:effectLst/>
-                <a:latin typeface="Arial Unicode MS" panose="020B0604020202020204" pitchFamily="34" charset="-128"/>
-              </a:rPr>
-              <a:t>MSE</a:t>
-            </a:r>
-            <a:r>
-              <a:rPr kumimoji="0" lang="en-US" altLang="en-US" sz="1600" b="0" i="0" u="none" strike="noStrike" cap="none" normalizeH="0" baseline="0" dirty="0" smtClean="0">
-                <a:ln>
-                  <a:noFill/>
-                </a:ln>
-                <a:solidFill>
-                  <a:schemeClr val="tx1"/>
-                </a:solidFill>
-                <a:effectLst/>
-                <a:latin typeface="Arial Unicode MS" panose="020B0604020202020204" pitchFamily="34" charset="-128"/>
-              </a:rPr>
-              <a:t> for test set is 4.71</a:t>
-            </a:r>
-          </a:p>
-          <a:p>
-            <a:pPr marL="0" marR="0" lvl="0" indent="0" algn="l" defTabSz="914400" rtl="0" eaLnBrk="0" fontAlgn="base" latinLnBrk="0" hangingPunct="0">
-              <a:lnSpc>
-                <a:spcPct val="100000"/>
-              </a:lnSpc>
-              <a:spcBef>
-                <a:spcPct val="0"/>
-              </a:spcBef>
-              <a:spcAft>
-                <a:spcPct val="0"/>
-              </a:spcAft>
-              <a:buClrTx/>
-              <a:buSzTx/>
-              <a:buFontTx/>
-              <a:buNone/>
-              <a:tabLst/>
-            </a:pPr>
-            <a:r>
-              <a:rPr kumimoji="0" lang="en-US" altLang="en-US" sz="1600" b="0" i="0" u="none" strike="noStrike" cap="none" normalizeH="0" baseline="0" dirty="0" smtClean="0">
-                <a:ln>
-                  <a:noFill/>
-                </a:ln>
-                <a:solidFill>
-                  <a:srgbClr val="660033"/>
-                </a:solidFill>
-                <a:effectLst/>
-                <a:latin typeface="Arial Unicode MS" panose="020B0604020202020204" pitchFamily="34" charset="-128"/>
-              </a:rPr>
-              <a:t>RMSE</a:t>
-            </a:r>
-            <a:r>
-              <a:rPr kumimoji="0" lang="en-US" altLang="en-US" sz="1600" b="0" i="0" u="none" strike="noStrike" cap="none" normalizeH="0" baseline="0" dirty="0" smtClean="0">
-                <a:ln>
-                  <a:noFill/>
-                </a:ln>
-                <a:solidFill>
-                  <a:schemeClr val="tx1"/>
-                </a:solidFill>
-                <a:effectLst/>
-                <a:latin typeface="Arial Unicode MS" panose="020B0604020202020204" pitchFamily="34" charset="-128"/>
-              </a:rPr>
-              <a:t> for test set is 2.17</a:t>
-            </a:r>
-          </a:p>
-          <a:p>
-            <a:pPr marL="0" marR="0" lvl="0" indent="0" algn="l" defTabSz="914400" rtl="0" eaLnBrk="0" fontAlgn="base" latinLnBrk="0" hangingPunct="0">
-              <a:lnSpc>
-                <a:spcPct val="100000"/>
-              </a:lnSpc>
-              <a:spcBef>
-                <a:spcPct val="0"/>
-              </a:spcBef>
-              <a:spcAft>
-                <a:spcPct val="0"/>
-              </a:spcAft>
-              <a:buClrTx/>
-              <a:buSzTx/>
-              <a:buFontTx/>
-              <a:buNone/>
-              <a:tabLst/>
-            </a:pPr>
-            <a:r>
-              <a:rPr lang="en-US" altLang="en-US" sz="1600" dirty="0" smtClean="0">
-                <a:solidFill>
-                  <a:srgbClr val="660033"/>
-                </a:solidFill>
-                <a:latin typeface="Arial Unicode MS" panose="020B0604020202020204" pitchFamily="34" charset="-128"/>
-              </a:rPr>
-              <a:t>R**2 </a:t>
-            </a:r>
-            <a:r>
-              <a:rPr lang="en-US" altLang="en-US" sz="1600" dirty="0" smtClean="0">
-                <a:solidFill>
-                  <a:schemeClr val="tx1"/>
-                </a:solidFill>
-                <a:latin typeface="Arial Unicode MS" panose="020B0604020202020204" pitchFamily="34" charset="-128"/>
-              </a:rPr>
-              <a:t> for test set is </a:t>
-            </a:r>
-            <a:r>
-              <a:rPr kumimoji="0" lang="en-US" altLang="en-US" sz="1600" b="0" i="0" u="none" strike="noStrike" cap="none" normalizeH="0" baseline="0" dirty="0" smtClean="0">
-                <a:ln>
-                  <a:noFill/>
-                </a:ln>
-                <a:solidFill>
-                  <a:schemeClr val="tx1"/>
-                </a:solidFill>
-                <a:effectLst/>
-                <a:latin typeface="Arial Unicode MS" panose="020B0604020202020204" pitchFamily="34" charset="-128"/>
-              </a:rPr>
-              <a:t>0.23</a:t>
-            </a:r>
-          </a:p>
-          <a:p>
-            <a:pPr marL="0" marR="0" lvl="0" indent="0" algn="l" defTabSz="914400" rtl="0" eaLnBrk="0" fontAlgn="base" latinLnBrk="0" hangingPunct="0">
-              <a:lnSpc>
-                <a:spcPct val="100000"/>
-              </a:lnSpc>
-              <a:spcBef>
-                <a:spcPct val="0"/>
-              </a:spcBef>
-              <a:spcAft>
-                <a:spcPct val="0"/>
-              </a:spcAft>
-              <a:buClrTx/>
-              <a:buSzTx/>
-              <a:buFontTx/>
-              <a:buNone/>
-              <a:tabLst/>
-            </a:pPr>
-            <a:r>
-              <a:rPr lang="en-US" altLang="en-US" sz="1600" dirty="0" smtClean="0">
-                <a:solidFill>
-                  <a:srgbClr val="660033"/>
-                </a:solidFill>
-                <a:latin typeface="Arial Unicode MS" panose="020B0604020202020204" pitchFamily="34" charset="-128"/>
-              </a:rPr>
-              <a:t>Adjusted R**2 </a:t>
-            </a:r>
-            <a:r>
-              <a:rPr lang="en-US" altLang="en-US" sz="1600" dirty="0" smtClean="0">
-                <a:solidFill>
-                  <a:schemeClr val="tx1"/>
-                </a:solidFill>
-                <a:latin typeface="Arial Unicode MS" panose="020B0604020202020204" pitchFamily="34" charset="-128"/>
-              </a:rPr>
-              <a:t>for test set is </a:t>
-            </a:r>
-            <a:r>
-              <a:rPr kumimoji="0" lang="en-US" altLang="en-US" sz="1600" b="0" i="0" u="none" strike="noStrike" cap="none" normalizeH="0" baseline="0" dirty="0" smtClean="0">
-                <a:ln>
-                  <a:noFill/>
-                </a:ln>
-                <a:solidFill>
-                  <a:schemeClr val="tx1"/>
-                </a:solidFill>
-                <a:effectLst/>
-                <a:latin typeface="Arial Unicode MS" panose="020B0604020202020204" pitchFamily="34" charset="-128"/>
-              </a:rPr>
-              <a:t>0.22</a:t>
-            </a:r>
-            <a:endParaRPr kumimoji="0" lang="en-US" altLang="en-US" sz="1600" b="0" i="0" u="none" strike="noStrike" cap="none" normalizeH="0" baseline="0" dirty="0" smtClean="0">
-              <a:ln>
-                <a:noFill/>
-              </a:ln>
-              <a:solidFill>
-                <a:schemeClr val="tx1"/>
-              </a:solidFill>
-              <a:effectLst/>
-              <a:latin typeface="Arial" panose="020B0604020202020204" pitchFamily="34" charset="0"/>
-            </a:endParaRPr>
-          </a:p>
-        </p:txBody>
-      </p:sp>
-      <p:sp>
-        <p:nvSpPr>
-          <p:cNvPr id="11" name="Rectangle 6"/>
-          <p:cNvSpPr>
-            <a:spLocks noChangeArrowheads="1"/>
-          </p:cNvSpPr>
-          <p:nvPr/>
-        </p:nvSpPr>
-        <p:spPr bwMode="auto">
-          <a:xfrm>
-            <a:off x="2883060" y="1070554"/>
-            <a:ext cx="3298910" cy="1323439"/>
-          </a:xfrm>
-          <a:prstGeom prst="rect">
-            <a:avLst/>
-          </a:prstGeom>
-          <a:solidFill>
-            <a:schemeClr val="bg1">
-              <a:lumMod val="85000"/>
-            </a:schemeClr>
-          </a:solidFill>
-          <a:ln w="9525">
-            <a:solidFill>
-              <a:schemeClr val="tx1"/>
-            </a:solidFill>
-            <a:miter lim="800000"/>
-            <a:headEnd/>
-            <a:tailEnd/>
-          </a:ln>
-          <a:effectLst/>
-        </p:spPr>
-        <p:txBody>
-          <a:bodyPr vert="horz" wrap="square" lIns="91440" tIns="45720" rIns="91440" bIns="45720" numCol="1" anchor="ctr" anchorCtr="0" compatLnSpc="1">
-            <a:prstTxWarp prst="textNoShape">
-              <a:avLst/>
-            </a:prstTxWarp>
-            <a:spAutoFit/>
-          </a:bodyPr>
-          <a:lstStyle/>
-          <a:p>
-            <a:pPr marL="0" marR="0" lvl="0" indent="0" algn="l" defTabSz="914400" rtl="0" eaLnBrk="0" fontAlgn="base" latinLnBrk="0" hangingPunct="0">
-              <a:lnSpc>
-                <a:spcPct val="100000"/>
-              </a:lnSpc>
-              <a:spcBef>
-                <a:spcPct val="0"/>
-              </a:spcBef>
-              <a:spcAft>
-                <a:spcPct val="0"/>
-              </a:spcAft>
-              <a:buClrTx/>
-              <a:buSzTx/>
-              <a:buFontTx/>
-              <a:buNone/>
-              <a:tabLst/>
-            </a:pPr>
-            <a:r>
-              <a:rPr lang="en-US" altLang="en-US" sz="1600" dirty="0">
-                <a:solidFill>
-                  <a:srgbClr val="660033"/>
-                </a:solidFill>
-                <a:latin typeface="Arial Unicode MS" panose="020B0604020202020204" pitchFamily="34" charset="-128"/>
-              </a:rPr>
-              <a:t>MAE</a:t>
-            </a:r>
-            <a:r>
-              <a:rPr lang="en-US" altLang="en-US" sz="1600" dirty="0">
-                <a:solidFill>
-                  <a:schemeClr val="tx1"/>
-                </a:solidFill>
-                <a:latin typeface="Arial Unicode MS" panose="020B0604020202020204" pitchFamily="34" charset="-128"/>
-              </a:rPr>
-              <a:t> for test set is </a:t>
-            </a:r>
-            <a:r>
-              <a:rPr lang="en-US" altLang="en-US" sz="1600" dirty="0" smtClean="0">
-                <a:solidFill>
-                  <a:schemeClr val="tx1"/>
-                </a:solidFill>
-                <a:latin typeface="Arial Unicode MS" panose="020B0604020202020204" pitchFamily="34" charset="-128"/>
-              </a:rPr>
-              <a:t>1.56 </a:t>
-            </a:r>
-            <a:endParaRPr lang="en-US" altLang="en-US" sz="1600" dirty="0">
-              <a:solidFill>
-                <a:schemeClr val="tx1"/>
-              </a:solidFill>
-              <a:latin typeface="Arial Unicode MS" panose="020B0604020202020204" pitchFamily="34" charset="-128"/>
-            </a:endParaRPr>
-          </a:p>
-          <a:p>
-            <a:pPr marL="0" marR="0" lvl="0" indent="0" algn="l" defTabSz="914400" rtl="0" eaLnBrk="0" fontAlgn="base" latinLnBrk="0" hangingPunct="0">
-              <a:lnSpc>
-                <a:spcPct val="100000"/>
-              </a:lnSpc>
-              <a:spcBef>
-                <a:spcPct val="0"/>
-              </a:spcBef>
-              <a:spcAft>
-                <a:spcPct val="0"/>
-              </a:spcAft>
-              <a:buClrTx/>
-              <a:buSzTx/>
-              <a:buFontTx/>
-              <a:buNone/>
-              <a:tabLst/>
-            </a:pPr>
-            <a:r>
-              <a:rPr lang="en-US" altLang="en-US" sz="1600" dirty="0">
-                <a:solidFill>
-                  <a:srgbClr val="660033"/>
-                </a:solidFill>
-                <a:latin typeface="Arial Unicode MS" panose="020B0604020202020204" pitchFamily="34" charset="-128"/>
-              </a:rPr>
-              <a:t>MSE </a:t>
-            </a:r>
-            <a:r>
-              <a:rPr lang="en-US" altLang="en-US" sz="1600" dirty="0">
-                <a:solidFill>
-                  <a:schemeClr val="tx1"/>
-                </a:solidFill>
-                <a:latin typeface="Arial Unicode MS" panose="020B0604020202020204" pitchFamily="34" charset="-128"/>
-              </a:rPr>
-              <a:t>for test set is </a:t>
-            </a:r>
-            <a:r>
-              <a:rPr lang="en-US" altLang="en-US" sz="1600" dirty="0" smtClean="0">
-                <a:solidFill>
-                  <a:schemeClr val="tx1"/>
-                </a:solidFill>
-                <a:latin typeface="Arial Unicode MS" panose="020B0604020202020204" pitchFamily="34" charset="-128"/>
-              </a:rPr>
-              <a:t>4.00</a:t>
-            </a:r>
-            <a:endParaRPr lang="en-US" altLang="en-US" sz="1600" dirty="0">
-              <a:solidFill>
-                <a:schemeClr val="tx1"/>
-              </a:solidFill>
-              <a:latin typeface="Arial Unicode MS" panose="020B0604020202020204" pitchFamily="34" charset="-128"/>
-            </a:endParaRPr>
-          </a:p>
-          <a:p>
-            <a:pPr marL="0" marR="0" lvl="0" indent="0" algn="l" defTabSz="914400" rtl="0" eaLnBrk="0" fontAlgn="base" latinLnBrk="0" hangingPunct="0">
-              <a:lnSpc>
-                <a:spcPct val="100000"/>
-              </a:lnSpc>
-              <a:spcBef>
-                <a:spcPct val="0"/>
-              </a:spcBef>
-              <a:spcAft>
-                <a:spcPct val="0"/>
-              </a:spcAft>
-              <a:buClrTx/>
-              <a:buSzTx/>
-              <a:buFontTx/>
-              <a:buNone/>
-              <a:tabLst/>
-            </a:pPr>
-            <a:r>
-              <a:rPr lang="en-US" altLang="en-US" sz="1600" dirty="0">
-                <a:solidFill>
-                  <a:srgbClr val="660033"/>
-                </a:solidFill>
-                <a:latin typeface="Arial Unicode MS" panose="020B0604020202020204" pitchFamily="34" charset="-128"/>
-              </a:rPr>
-              <a:t>RMSE</a:t>
-            </a:r>
-            <a:r>
-              <a:rPr lang="en-US" altLang="en-US" sz="1600" dirty="0">
-                <a:solidFill>
-                  <a:schemeClr val="tx1"/>
-                </a:solidFill>
-                <a:latin typeface="Arial Unicode MS" panose="020B0604020202020204" pitchFamily="34" charset="-128"/>
-              </a:rPr>
-              <a:t> for test set is </a:t>
-            </a:r>
-            <a:r>
-              <a:rPr lang="en-US" altLang="en-US" sz="1600" dirty="0" smtClean="0">
-                <a:solidFill>
-                  <a:schemeClr val="tx1"/>
-                </a:solidFill>
-                <a:latin typeface="Arial Unicode MS" panose="020B0604020202020204" pitchFamily="34" charset="-128"/>
-              </a:rPr>
-              <a:t>2.00</a:t>
-            </a:r>
-            <a:endParaRPr lang="en-US" altLang="en-US" sz="1600" dirty="0">
-              <a:solidFill>
-                <a:schemeClr val="tx1"/>
-              </a:solidFill>
-              <a:latin typeface="Arial Unicode MS" panose="020B0604020202020204" pitchFamily="34" charset="-128"/>
-            </a:endParaRPr>
-          </a:p>
-          <a:p>
-            <a:pPr marL="0" marR="0" lvl="0" indent="0" algn="l" defTabSz="914400" rtl="0" eaLnBrk="0" fontAlgn="base" latinLnBrk="0" hangingPunct="0">
-              <a:lnSpc>
-                <a:spcPct val="100000"/>
-              </a:lnSpc>
-              <a:spcBef>
-                <a:spcPct val="0"/>
-              </a:spcBef>
-              <a:spcAft>
-                <a:spcPct val="0"/>
-              </a:spcAft>
-              <a:buClrTx/>
-              <a:buSzTx/>
-              <a:buFontTx/>
-              <a:buNone/>
-              <a:tabLst/>
-            </a:pPr>
-            <a:r>
-              <a:rPr lang="en-US" altLang="en-US" sz="1600" dirty="0" smtClean="0">
-                <a:solidFill>
-                  <a:srgbClr val="660033"/>
-                </a:solidFill>
-                <a:latin typeface="Arial Unicode MS" panose="020B0604020202020204" pitchFamily="34" charset="-128"/>
-              </a:rPr>
-              <a:t>R**2 </a:t>
-            </a:r>
-            <a:r>
-              <a:rPr lang="en-US" altLang="en-US" sz="1600" dirty="0">
-                <a:solidFill>
-                  <a:schemeClr val="tx1"/>
-                </a:solidFill>
-                <a:latin typeface="Arial Unicode MS" panose="020B0604020202020204" pitchFamily="34" charset="-128"/>
-              </a:rPr>
-              <a:t>f</a:t>
-            </a:r>
-            <a:r>
-              <a:rPr lang="en-US" altLang="en-US" sz="1600" dirty="0" smtClean="0">
-                <a:solidFill>
-                  <a:schemeClr val="tx1"/>
-                </a:solidFill>
-                <a:latin typeface="Arial Unicode MS" panose="020B0604020202020204" pitchFamily="34" charset="-128"/>
-              </a:rPr>
-              <a:t>or test set is 0.34</a:t>
-            </a:r>
-          </a:p>
-          <a:p>
-            <a:pPr marL="0" marR="0" lvl="0" indent="0" algn="l" defTabSz="914400" rtl="0" eaLnBrk="0" fontAlgn="base" latinLnBrk="0" hangingPunct="0">
-              <a:lnSpc>
-                <a:spcPct val="100000"/>
-              </a:lnSpc>
-              <a:spcBef>
-                <a:spcPct val="0"/>
-              </a:spcBef>
-              <a:spcAft>
-                <a:spcPct val="0"/>
-              </a:spcAft>
-              <a:buClrTx/>
-              <a:buSzTx/>
-              <a:buFontTx/>
-              <a:buNone/>
-              <a:tabLst/>
-            </a:pPr>
-            <a:r>
-              <a:rPr lang="en-US" altLang="en-US" sz="1600" dirty="0">
-                <a:solidFill>
-                  <a:srgbClr val="660033"/>
-                </a:solidFill>
-                <a:latin typeface="Arial Unicode MS" panose="020B0604020202020204" pitchFamily="34" charset="-128"/>
-              </a:rPr>
-              <a:t>Adjusted</a:t>
-            </a:r>
-            <a:r>
-              <a:rPr lang="en-US" altLang="en-US" sz="1600" dirty="0" smtClean="0">
-                <a:solidFill>
-                  <a:schemeClr val="tx1"/>
-                </a:solidFill>
-                <a:latin typeface="Arial Unicode MS" panose="020B0604020202020204" pitchFamily="34" charset="-128"/>
-              </a:rPr>
-              <a:t> R**2 for test set is 0.34 </a:t>
-            </a:r>
-            <a:endParaRPr lang="en-US" altLang="en-US" sz="1600" dirty="0">
-              <a:solidFill>
-                <a:schemeClr val="tx1"/>
-              </a:solidFill>
-              <a:latin typeface="Arial Unicode MS" panose="020B0604020202020204" pitchFamily="34" charset="-128"/>
-            </a:endParaRPr>
-          </a:p>
-        </p:txBody>
-      </p:sp>
-      <p:sp>
-        <p:nvSpPr>
-          <p:cNvPr id="12" name="Flowchart: Connector 11"/>
-          <p:cNvSpPr/>
-          <p:nvPr/>
-        </p:nvSpPr>
-        <p:spPr>
-          <a:xfrm>
-            <a:off x="1080808" y="993610"/>
-            <a:ext cx="1371600" cy="1371600"/>
-          </a:xfrm>
-          <a:prstGeom prst="flowChartConnector">
-            <a:avLst/>
-          </a:prstGeom>
-          <a:solidFill>
-            <a:schemeClr val="bg1">
-              <a:lumMod val="85000"/>
-            </a:schemeClr>
-          </a:solidFill>
-        </p:spPr>
-        <p:style>
-          <a:lnRef idx="2">
-            <a:schemeClr val="accent1">
-              <a:shade val="50000"/>
-            </a:schemeClr>
-          </a:lnRef>
-          <a:fillRef idx="1">
-            <a:schemeClr val="accent1"/>
-          </a:fillRef>
-          <a:effectRef idx="0">
-            <a:schemeClr val="accent1"/>
-          </a:effectRef>
-          <a:fontRef idx="minor">
-            <a:schemeClr val="lt1"/>
-          </a:fontRef>
-        </p:style>
-        <p:txBody>
-          <a:bodyPr rtlCol="0" anchor="ctr"/>
-          <a:lstStyle/>
-          <a:p>
-            <a:pPr algn="ctr"/>
-            <a:r>
-              <a:rPr lang="en-US" dirty="0" smtClean="0">
-                <a:solidFill>
-                  <a:srgbClr val="660033"/>
-                </a:solidFill>
-              </a:rPr>
-              <a:t>Without Grid Search</a:t>
-            </a:r>
-            <a:endParaRPr lang="en-US" dirty="0">
-              <a:solidFill>
-                <a:srgbClr val="660033"/>
-              </a:solidFill>
-            </a:endParaRPr>
-          </a:p>
-        </p:txBody>
-      </p:sp>
-      <p:sp>
-        <p:nvSpPr>
-          <p:cNvPr id="13" name="Flowchart: Connector 12"/>
-          <p:cNvSpPr/>
-          <p:nvPr/>
-        </p:nvSpPr>
-        <p:spPr>
-          <a:xfrm>
-            <a:off x="1080808" y="3051010"/>
-            <a:ext cx="1371600" cy="1371600"/>
-          </a:xfrm>
-          <a:prstGeom prst="flowChartConnector">
-            <a:avLst/>
-          </a:prstGeom>
-          <a:solidFill>
-            <a:schemeClr val="accent5">
-              <a:lumMod val="20000"/>
-              <a:lumOff val="80000"/>
-            </a:schemeClr>
-          </a:solidFill>
-        </p:spPr>
-        <p:style>
-          <a:lnRef idx="2">
-            <a:schemeClr val="accent1">
-              <a:shade val="50000"/>
-            </a:schemeClr>
-          </a:lnRef>
-          <a:fillRef idx="1">
-            <a:schemeClr val="accent1"/>
-          </a:fillRef>
-          <a:effectRef idx="0">
-            <a:schemeClr val="accent1"/>
-          </a:effectRef>
-          <a:fontRef idx="minor">
-            <a:schemeClr val="lt1"/>
-          </a:fontRef>
-        </p:style>
-        <p:txBody>
-          <a:bodyPr rtlCol="0" anchor="ctr"/>
-          <a:lstStyle/>
-          <a:p>
-            <a:pPr algn="ctr"/>
-            <a:r>
-              <a:rPr lang="en-US" dirty="0">
-                <a:solidFill>
-                  <a:srgbClr val="660033"/>
-                </a:solidFill>
-              </a:rPr>
-              <a:t>With Grid Search</a:t>
-            </a:r>
-          </a:p>
-        </p:txBody>
-      </p:sp>
-      <p:sp>
-        <p:nvSpPr>
-          <p:cNvPr id="14" name="Right Arrow 13"/>
-          <p:cNvSpPr/>
-          <p:nvPr/>
-        </p:nvSpPr>
-        <p:spPr>
-          <a:xfrm>
-            <a:off x="2452408" y="1626546"/>
-            <a:ext cx="430651" cy="209628"/>
-          </a:xfrm>
-          <a:prstGeom prst="rightArrow">
-            <a:avLst/>
-          </a:prstGeom>
-          <a:solidFill>
-            <a:schemeClr val="tx2">
-              <a:lumMod val="10000"/>
-            </a:schemeClr>
-          </a:solidFill>
-        </p:spPr>
-        <p:style>
-          <a:lnRef idx="2">
-            <a:schemeClr val="accent1">
-              <a:shade val="50000"/>
-            </a:schemeClr>
-          </a:lnRef>
-          <a:fillRef idx="1">
-            <a:schemeClr val="accent1"/>
-          </a:fillRef>
-          <a:effectRef idx="0">
-            <a:schemeClr val="accent1"/>
-          </a:effectRef>
-          <a:fontRef idx="minor">
-            <a:schemeClr val="lt1"/>
-          </a:fontRef>
-        </p:style>
-        <p:txBody>
-          <a:bodyPr rtlCol="0" anchor="ctr"/>
-          <a:lstStyle/>
-          <a:p>
-            <a:pPr algn="ctr"/>
-            <a:endParaRPr lang="en-US"/>
-          </a:p>
-        </p:txBody>
-      </p:sp>
-      <p:sp>
-        <p:nvSpPr>
-          <p:cNvPr id="15" name="Right Arrow 14"/>
-          <p:cNvSpPr/>
-          <p:nvPr/>
-        </p:nvSpPr>
-        <p:spPr>
-          <a:xfrm>
-            <a:off x="2452408" y="3594386"/>
-            <a:ext cx="430651" cy="172630"/>
-          </a:xfrm>
-          <a:prstGeom prst="rightArrow">
-            <a:avLst/>
-          </a:prstGeom>
-          <a:solidFill>
-            <a:schemeClr val="tx1"/>
-          </a:solidFill>
-        </p:spPr>
-        <p:style>
-          <a:lnRef idx="2">
-            <a:schemeClr val="accent1">
-              <a:shade val="50000"/>
-            </a:schemeClr>
-          </a:lnRef>
-          <a:fillRef idx="1">
-            <a:schemeClr val="accent1"/>
-          </a:fillRef>
-          <a:effectRef idx="0">
-            <a:schemeClr val="accent1"/>
-          </a:effectRef>
-          <a:fontRef idx="minor">
-            <a:schemeClr val="lt1"/>
-          </a:fontRef>
-        </p:style>
-        <p:txBody>
-          <a:bodyPr rtlCol="0" anchor="ctr"/>
-          <a:lstStyle/>
-          <a:p>
-            <a:pPr algn="ctr"/>
-            <a:endParaRPr lang="en-US"/>
-          </a:p>
-        </p:txBody>
-      </p:sp>
-      <p:sp>
-        <p:nvSpPr>
-          <p:cNvPr id="17" name="Rectangle 16"/>
-          <p:cNvSpPr/>
-          <p:nvPr/>
-        </p:nvSpPr>
-        <p:spPr>
-          <a:xfrm>
-            <a:off x="6181970" y="2815870"/>
-            <a:ext cx="2219570" cy="1062893"/>
-          </a:xfrm>
-          <a:prstGeom prst="rect">
-            <a:avLst/>
-          </a:prstGeom>
-        </p:spPr>
-        <p:style>
-          <a:lnRef idx="2">
-            <a:schemeClr val="accent1">
-              <a:shade val="50000"/>
-            </a:schemeClr>
-          </a:lnRef>
-          <a:fillRef idx="1">
-            <a:schemeClr val="accent1"/>
-          </a:fillRef>
-          <a:effectRef idx="0">
-            <a:schemeClr val="accent1"/>
-          </a:effectRef>
-          <a:fontRef idx="minor">
-            <a:schemeClr val="lt1"/>
-          </a:fontRef>
-        </p:style>
-        <p:txBody>
-          <a:bodyPr rtlCol="0" anchor="ctr"/>
-          <a:lstStyle/>
-          <a:p>
-            <a:r>
-              <a:rPr lang="en-US" dirty="0" smtClean="0">
-                <a:solidFill>
-                  <a:srgbClr val="660033"/>
-                </a:solidFill>
-              </a:rPr>
-              <a:t>Best Params</a:t>
-            </a:r>
-          </a:p>
-          <a:p>
-            <a:r>
-              <a:rPr lang="en-US" dirty="0"/>
-              <a:t>c</a:t>
-            </a:r>
-            <a:r>
-              <a:rPr lang="en-US" dirty="0" smtClean="0"/>
-              <a:t>opy_X  = ‘True’</a:t>
-            </a:r>
-          </a:p>
-          <a:p>
-            <a:r>
-              <a:rPr lang="en-US" dirty="0" smtClean="0"/>
-              <a:t>fit_intercept = ‘True’</a:t>
-            </a:r>
-          </a:p>
-          <a:p>
-            <a:r>
-              <a:rPr lang="en-US" dirty="0"/>
-              <a:t>n</a:t>
-            </a:r>
-            <a:r>
-              <a:rPr lang="en-US" dirty="0" smtClean="0"/>
-              <a:t>ormalize = ‘True’</a:t>
-            </a:r>
-            <a:endParaRPr lang="en-US" dirty="0"/>
-          </a:p>
-        </p:txBody>
-      </p:sp>
-      <p:sp>
-        <p:nvSpPr>
-          <p:cNvPr id="16" name="Rectangle 15"/>
-          <p:cNvSpPr/>
-          <p:nvPr/>
-        </p:nvSpPr>
-        <p:spPr>
-          <a:xfrm>
-            <a:off x="3206346" y="484273"/>
-            <a:ext cx="2579077" cy="328808"/>
-          </a:xfrm>
-          <a:prstGeom prst="rect">
-            <a:avLst/>
-          </a:prstGeom>
-          <a:solidFill>
-            <a:schemeClr val="tx1">
-              <a:lumMod val="10000"/>
-              <a:lumOff val="90000"/>
-            </a:schemeClr>
-          </a:solidFill>
-        </p:spPr>
-        <p:style>
-          <a:lnRef idx="2">
-            <a:schemeClr val="accent1">
-              <a:shade val="50000"/>
-            </a:schemeClr>
-          </a:lnRef>
-          <a:fillRef idx="1">
-            <a:schemeClr val="accent1"/>
-          </a:fillRef>
-          <a:effectRef idx="0">
-            <a:schemeClr val="accent1"/>
-          </a:effectRef>
-          <a:fontRef idx="minor">
-            <a:schemeClr val="lt1"/>
-          </a:fontRef>
-        </p:style>
-        <p:txBody>
-          <a:bodyPr rtlCol="0" anchor="ctr"/>
-          <a:lstStyle/>
-          <a:p>
-            <a:pPr algn="ctr"/>
-            <a:r>
-              <a:rPr lang="en-US" dirty="0" smtClean="0">
-                <a:solidFill>
-                  <a:srgbClr val="660033"/>
-                </a:solidFill>
-              </a:rPr>
-              <a:t>Train – Test Split: 60:40</a:t>
-            </a:r>
-            <a:endParaRPr lang="en-US" dirty="0">
-              <a:solidFill>
-                <a:srgbClr val="660033"/>
-              </a:solidFill>
-            </a:endParaRPr>
-          </a:p>
-        </p:txBody>
-      </p:sp>
-      <p:sp>
-        <p:nvSpPr>
-          <p:cNvPr id="18" name="Down Arrow 17"/>
-          <p:cNvSpPr/>
-          <p:nvPr/>
-        </p:nvSpPr>
-        <p:spPr>
-          <a:xfrm>
-            <a:off x="4444779" y="813081"/>
-            <a:ext cx="151075" cy="236683"/>
-          </a:xfrm>
-          <a:prstGeom prst="downArrow">
-            <a:avLst/>
-          </a:prstGeom>
-          <a:solidFill>
-            <a:schemeClr val="tx1"/>
-          </a:solidFill>
-        </p:spPr>
-        <p:style>
-          <a:lnRef idx="2">
-            <a:schemeClr val="accent1">
-              <a:shade val="50000"/>
-            </a:schemeClr>
-          </a:lnRef>
-          <a:fillRef idx="1">
-            <a:schemeClr val="accent1"/>
-          </a:fillRef>
-          <a:effectRef idx="0">
-            <a:schemeClr val="accent1"/>
-          </a:effectRef>
-          <a:fontRef idx="minor">
-            <a:schemeClr val="lt1"/>
-          </a:fontRef>
-        </p:style>
-        <p:txBody>
-          <a:bodyPr rtlCol="0" anchor="ctr"/>
-          <a:lstStyle/>
-          <a:p>
-            <a:pPr algn="ctr"/>
-            <a:endParaRPr lang="en-US"/>
-          </a:p>
-        </p:txBody>
-      </p:sp>
-    </p:spTree>
-    <p:extLst>
-      <p:ext uri="{BB962C8B-B14F-4D97-AF65-F5344CB8AC3E}">
-        <p14:creationId xmlns:p14="http://schemas.microsoft.com/office/powerpoint/2010/main" val="1238818808"/>
-      </p:ext>
-    </p:extLst>
-  </p:cSld>
-  <p:clrMapOvr>
-    <a:masterClrMapping/>
-  </p:clrMapOvr>
-  <p:timing>
-    <p:tnLst>
-      <p:par>
-        <p:cTn id="1" dur="indefinite" restart="never" nodeType="tmRoot"/>
-      </p:par>
-    </p:tnLst>
-  </p:timing>
-</p:sld>
-</file>
-
-<file path=ppt/slides/slide14.xml><?xml version="1.0" encoding="utf-8"?>
-<p:sld xmlns:a="http://schemas.openxmlformats.org/drawingml/2006/main" xmlns:r="http://schemas.openxmlformats.org/officeDocument/2006/relationships" xmlns:p="http://schemas.openxmlformats.org/presentationml/2006/main">
-  <p:cSld>
-    <p:spTree>
-      <p:nvGrpSpPr>
-        <p:cNvPr id="1" name=""/>
-        <p:cNvGrpSpPr/>
-        <p:nvPr/>
-      </p:nvGrpSpPr>
-      <p:grpSpPr>
-        <a:xfrm>
-          <a:off x="0" y="0"/>
-          <a:ext cx="0" cy="0"/>
-          <a:chOff x="0" y="0"/>
-          <a:chExt cx="0" cy="0"/>
-        </a:xfrm>
-      </p:grpSpPr>
-      <p:sp>
-        <p:nvSpPr>
-          <p:cNvPr id="2" name="Title 1"/>
-          <p:cNvSpPr>
-            <a:spLocks noGrp="1"/>
-          </p:cNvSpPr>
-          <p:nvPr>
-            <p:ph type="title"/>
-          </p:nvPr>
-        </p:nvSpPr>
-        <p:spPr>
-          <a:xfrm>
-            <a:off x="150403" y="45152"/>
-            <a:ext cx="7242136" cy="472623"/>
-          </a:xfrm>
-        </p:spPr>
-        <p:txBody>
-          <a:bodyPr/>
-          <a:lstStyle/>
-          <a:p>
-            <a:r>
-              <a:rPr lang="en-US" sz="2400" b="0" dirty="0" smtClean="0">
-                <a:solidFill>
-                  <a:srgbClr val="660033"/>
-                </a:solidFill>
-              </a:rPr>
-              <a:t>Decision Tree &amp; Random Forest Regressor</a:t>
-            </a:r>
-            <a:endParaRPr lang="en-US" sz="2400" b="0" dirty="0">
-              <a:solidFill>
-                <a:srgbClr val="660033"/>
-              </a:solidFill>
-            </a:endParaRPr>
-          </a:p>
-        </p:txBody>
-      </p:sp>
-      <p:sp>
-        <p:nvSpPr>
-          <p:cNvPr id="4" name="Slide Number Placeholder 3"/>
-          <p:cNvSpPr>
-            <a:spLocks noGrp="1"/>
-          </p:cNvSpPr>
-          <p:nvPr>
-            <p:ph type="sldNum" idx="12"/>
-          </p:nvPr>
-        </p:nvSpPr>
-        <p:spPr/>
-        <p:txBody>
-          <a:bodyPr/>
-          <a:lstStyle/>
-          <a:p>
-            <a:pPr marL="0" lvl="0" indent="0" algn="ctr" rtl="0">
-              <a:spcBef>
-                <a:spcPts val="0"/>
-              </a:spcBef>
-              <a:spcAft>
-                <a:spcPts val="0"/>
-              </a:spcAft>
-              <a:buNone/>
-            </a:pPr>
-            <a:fld id="{00000000-1234-1234-1234-123412341234}" type="slidenum">
-              <a:rPr lang="en" smtClean="0"/>
-              <a:t>14</a:t>
-            </a:fld>
-            <a:endParaRPr lang="en" dirty="0"/>
-          </a:p>
-        </p:txBody>
-      </p:sp>
-      <p:sp>
-        <p:nvSpPr>
-          <p:cNvPr id="6" name="Rectangle 1"/>
-          <p:cNvSpPr>
-            <a:spLocks noChangeArrowheads="1"/>
-          </p:cNvSpPr>
-          <p:nvPr/>
-        </p:nvSpPr>
-        <p:spPr bwMode="auto">
-          <a:xfrm>
-            <a:off x="2883059" y="2979451"/>
-            <a:ext cx="3136078" cy="1323439"/>
-          </a:xfrm>
-          <a:prstGeom prst="rect">
-            <a:avLst/>
-          </a:prstGeom>
-          <a:solidFill>
-            <a:schemeClr val="accent5">
-              <a:lumMod val="20000"/>
-              <a:lumOff val="80000"/>
-            </a:schemeClr>
-          </a:solidFill>
-          <a:ln w="9525">
-            <a:solidFill>
-              <a:schemeClr val="tx1"/>
-            </a:solidFill>
-            <a:miter lim="800000"/>
-            <a:headEnd/>
-            <a:tailEnd/>
-          </a:ln>
-          <a:effectLst/>
-        </p:spPr>
-        <p:txBody>
-          <a:bodyPr vert="horz" wrap="square" lIns="91440" tIns="45720" rIns="91440" bIns="45720" numCol="1" anchor="ctr" anchorCtr="0" compatLnSpc="1">
-            <a:prstTxWarp prst="textNoShape">
-              <a:avLst/>
-            </a:prstTxWarp>
-            <a:spAutoFit/>
-          </a:bodyPr>
-          <a:lstStyle/>
-          <a:p>
-            <a:pPr marL="0" marR="0" lvl="0" indent="0" algn="l" defTabSz="914400" rtl="0" eaLnBrk="0" fontAlgn="base" latinLnBrk="0" hangingPunct="0">
-              <a:lnSpc>
-                <a:spcPct val="100000"/>
-              </a:lnSpc>
-              <a:spcBef>
-                <a:spcPct val="0"/>
-              </a:spcBef>
-              <a:spcAft>
-                <a:spcPct val="0"/>
-              </a:spcAft>
-              <a:buClrTx/>
-              <a:buSzTx/>
-              <a:buFontTx/>
-              <a:buNone/>
-              <a:tabLst/>
-            </a:pPr>
-            <a:r>
-              <a:rPr kumimoji="0" lang="en-US" altLang="en-US" sz="1600" b="0" i="0" u="none" strike="noStrike" cap="none" normalizeH="0" baseline="0" dirty="0" smtClean="0">
-                <a:ln>
-                  <a:noFill/>
-                </a:ln>
-                <a:solidFill>
-                  <a:srgbClr val="660033"/>
-                </a:solidFill>
-                <a:effectLst/>
-                <a:latin typeface="Arial Unicode MS" panose="020B0604020202020204" pitchFamily="34" charset="-128"/>
-              </a:rPr>
-              <a:t>MAE</a:t>
-            </a:r>
-            <a:r>
-              <a:rPr kumimoji="0" lang="en-US" altLang="en-US" sz="1600" b="0" i="0" u="none" strike="noStrike" cap="none" normalizeH="0" baseline="0" dirty="0" smtClean="0">
-                <a:ln>
-                  <a:noFill/>
-                </a:ln>
-                <a:solidFill>
-                  <a:schemeClr val="tx1"/>
-                </a:solidFill>
-                <a:effectLst/>
-                <a:latin typeface="Arial Unicode MS" panose="020B0604020202020204" pitchFamily="34" charset="-128"/>
-              </a:rPr>
-              <a:t> for test set is 1.53 </a:t>
-            </a:r>
-          </a:p>
-          <a:p>
-            <a:pPr marL="0" marR="0" lvl="0" indent="0" algn="l" defTabSz="914400" rtl="0" eaLnBrk="0" fontAlgn="base" latinLnBrk="0" hangingPunct="0">
-              <a:lnSpc>
-                <a:spcPct val="100000"/>
-              </a:lnSpc>
-              <a:spcBef>
-                <a:spcPct val="0"/>
-              </a:spcBef>
-              <a:spcAft>
-                <a:spcPct val="0"/>
-              </a:spcAft>
-              <a:buClrTx/>
-              <a:buSzTx/>
-              <a:buFontTx/>
-              <a:buNone/>
-              <a:tabLst/>
-            </a:pPr>
-            <a:r>
-              <a:rPr kumimoji="0" lang="en-US" altLang="en-US" sz="1600" b="0" i="0" u="none" strike="noStrike" cap="none" normalizeH="0" baseline="0" dirty="0" smtClean="0">
-                <a:ln>
-                  <a:noFill/>
-                </a:ln>
-                <a:solidFill>
-                  <a:srgbClr val="660033"/>
-                </a:solidFill>
-                <a:effectLst/>
-                <a:latin typeface="Arial Unicode MS" panose="020B0604020202020204" pitchFamily="34" charset="-128"/>
-              </a:rPr>
-              <a:t>MSE</a:t>
-            </a:r>
-            <a:r>
-              <a:rPr kumimoji="0" lang="en-US" altLang="en-US" sz="1600" b="0" i="0" u="none" strike="noStrike" cap="none" normalizeH="0" baseline="0" dirty="0" smtClean="0">
-                <a:ln>
-                  <a:noFill/>
-                </a:ln>
-                <a:solidFill>
-                  <a:schemeClr val="tx1"/>
-                </a:solidFill>
-                <a:effectLst/>
-                <a:latin typeface="Arial Unicode MS" panose="020B0604020202020204" pitchFamily="34" charset="-128"/>
-              </a:rPr>
-              <a:t> for test set is 4.18</a:t>
-            </a:r>
-          </a:p>
-          <a:p>
-            <a:pPr marL="0" marR="0" lvl="0" indent="0" algn="l" defTabSz="914400" rtl="0" eaLnBrk="0" fontAlgn="base" latinLnBrk="0" hangingPunct="0">
-              <a:lnSpc>
-                <a:spcPct val="100000"/>
-              </a:lnSpc>
-              <a:spcBef>
-                <a:spcPct val="0"/>
-              </a:spcBef>
-              <a:spcAft>
-                <a:spcPct val="0"/>
-              </a:spcAft>
-              <a:buClrTx/>
-              <a:buSzTx/>
-              <a:buFontTx/>
-              <a:buNone/>
-              <a:tabLst/>
-            </a:pPr>
-            <a:r>
-              <a:rPr kumimoji="0" lang="en-US" altLang="en-US" sz="1600" b="0" i="0" u="none" strike="noStrike" cap="none" normalizeH="0" baseline="0" dirty="0" smtClean="0">
-                <a:ln>
-                  <a:noFill/>
-                </a:ln>
-                <a:solidFill>
-                  <a:srgbClr val="660033"/>
-                </a:solidFill>
-                <a:effectLst/>
-                <a:latin typeface="Arial Unicode MS" panose="020B0604020202020204" pitchFamily="34" charset="-128"/>
-              </a:rPr>
-              <a:t>RMSE</a:t>
-            </a:r>
-            <a:r>
-              <a:rPr kumimoji="0" lang="en-US" altLang="en-US" sz="1600" b="0" i="0" u="none" strike="noStrike" cap="none" normalizeH="0" baseline="0" dirty="0" smtClean="0">
-                <a:ln>
-                  <a:noFill/>
-                </a:ln>
-                <a:solidFill>
-                  <a:schemeClr val="tx1"/>
-                </a:solidFill>
-                <a:effectLst/>
-                <a:latin typeface="Arial Unicode MS" panose="020B0604020202020204" pitchFamily="34" charset="-128"/>
-              </a:rPr>
-              <a:t> for test set is 2.04</a:t>
-            </a:r>
-          </a:p>
-          <a:p>
-            <a:pPr marL="0" marR="0" lvl="0" indent="0" algn="l" defTabSz="914400" rtl="0" eaLnBrk="0" fontAlgn="base" latinLnBrk="0" hangingPunct="0">
-              <a:lnSpc>
-                <a:spcPct val="100000"/>
-              </a:lnSpc>
-              <a:spcBef>
-                <a:spcPct val="0"/>
-              </a:spcBef>
-              <a:spcAft>
-                <a:spcPct val="0"/>
-              </a:spcAft>
-              <a:buClrTx/>
-              <a:buSzTx/>
-              <a:buFontTx/>
-              <a:buNone/>
-              <a:tabLst/>
-            </a:pPr>
-            <a:r>
-              <a:rPr lang="en-US" altLang="en-US" sz="1600" dirty="0" smtClean="0">
-                <a:solidFill>
-                  <a:srgbClr val="660033"/>
-                </a:solidFill>
-                <a:latin typeface="Arial Unicode MS" panose="020B0604020202020204" pitchFamily="34" charset="-128"/>
-              </a:rPr>
-              <a:t>R**2 </a:t>
-            </a:r>
-            <a:r>
-              <a:rPr lang="en-US" altLang="en-US" sz="1600" dirty="0" smtClean="0">
-                <a:solidFill>
-                  <a:schemeClr val="tx1"/>
-                </a:solidFill>
-                <a:latin typeface="Arial Unicode MS" panose="020B0604020202020204" pitchFamily="34" charset="-128"/>
-              </a:rPr>
-              <a:t> for test set is </a:t>
-            </a:r>
-            <a:r>
-              <a:rPr kumimoji="0" lang="en-US" altLang="en-US" sz="1600" b="0" i="0" u="none" strike="noStrike" cap="none" normalizeH="0" baseline="0" dirty="0" smtClean="0">
-                <a:ln>
-                  <a:noFill/>
-                </a:ln>
-                <a:solidFill>
-                  <a:schemeClr val="tx1"/>
-                </a:solidFill>
-                <a:effectLst/>
-                <a:latin typeface="Arial Unicode MS" panose="020B0604020202020204" pitchFamily="34" charset="-128"/>
-              </a:rPr>
-              <a:t>0.31</a:t>
-            </a:r>
-          </a:p>
-          <a:p>
-            <a:pPr marL="0" marR="0" lvl="0" indent="0" algn="l" defTabSz="914400" rtl="0" eaLnBrk="0" fontAlgn="base" latinLnBrk="0" hangingPunct="0">
-              <a:lnSpc>
-                <a:spcPct val="100000"/>
-              </a:lnSpc>
-              <a:spcBef>
-                <a:spcPct val="0"/>
-              </a:spcBef>
-              <a:spcAft>
-                <a:spcPct val="0"/>
-              </a:spcAft>
-              <a:buClrTx/>
-              <a:buSzTx/>
-              <a:buFontTx/>
-              <a:buNone/>
-              <a:tabLst/>
-            </a:pPr>
-            <a:r>
-              <a:rPr lang="en-US" altLang="en-US" sz="1600" dirty="0" smtClean="0">
-                <a:solidFill>
-                  <a:srgbClr val="660033"/>
-                </a:solidFill>
-                <a:latin typeface="Arial Unicode MS" panose="020B0604020202020204" pitchFamily="34" charset="-128"/>
-              </a:rPr>
-              <a:t>Adjusted R**2 </a:t>
-            </a:r>
-            <a:r>
-              <a:rPr lang="en-US" altLang="en-US" sz="1600" dirty="0" smtClean="0">
-                <a:solidFill>
-                  <a:schemeClr val="tx1"/>
-                </a:solidFill>
-                <a:latin typeface="Arial Unicode MS" panose="020B0604020202020204" pitchFamily="34" charset="-128"/>
-              </a:rPr>
-              <a:t>for test set is </a:t>
-            </a:r>
-            <a:r>
-              <a:rPr kumimoji="0" lang="en-US" altLang="en-US" sz="1600" b="0" i="0" u="none" strike="noStrike" cap="none" normalizeH="0" baseline="0" dirty="0" smtClean="0">
-                <a:ln>
-                  <a:noFill/>
-                </a:ln>
-                <a:solidFill>
-                  <a:schemeClr val="tx1"/>
-                </a:solidFill>
-                <a:effectLst/>
-                <a:latin typeface="Arial Unicode MS" panose="020B0604020202020204" pitchFamily="34" charset="-128"/>
-              </a:rPr>
-              <a:t>0.31</a:t>
-            </a:r>
-            <a:endParaRPr kumimoji="0" lang="en-US" altLang="en-US" sz="1600" b="0" i="0" u="none" strike="noStrike" cap="none" normalizeH="0" baseline="0" dirty="0" smtClean="0">
-              <a:ln>
-                <a:noFill/>
-              </a:ln>
-              <a:solidFill>
-                <a:schemeClr val="tx1"/>
-              </a:solidFill>
-              <a:effectLst/>
-              <a:latin typeface="Arial" panose="020B0604020202020204" pitchFamily="34" charset="0"/>
-            </a:endParaRPr>
-          </a:p>
-        </p:txBody>
-      </p:sp>
-      <p:sp>
-        <p:nvSpPr>
-          <p:cNvPr id="11" name="Rectangle 6"/>
-          <p:cNvSpPr>
-            <a:spLocks noChangeArrowheads="1"/>
-          </p:cNvSpPr>
-          <p:nvPr/>
-        </p:nvSpPr>
-        <p:spPr bwMode="auto">
-          <a:xfrm>
-            <a:off x="2883060" y="1070554"/>
-            <a:ext cx="3231493" cy="1323439"/>
-          </a:xfrm>
-          <a:prstGeom prst="rect">
-            <a:avLst/>
-          </a:prstGeom>
-          <a:solidFill>
-            <a:schemeClr val="bg1">
-              <a:lumMod val="85000"/>
-            </a:schemeClr>
-          </a:solidFill>
-          <a:ln w="9525">
-            <a:solidFill>
-              <a:schemeClr val="tx1"/>
-            </a:solidFill>
-            <a:miter lim="800000"/>
-            <a:headEnd/>
-            <a:tailEnd/>
-          </a:ln>
-          <a:effectLst/>
-        </p:spPr>
-        <p:txBody>
-          <a:bodyPr vert="horz" wrap="square" lIns="91440" tIns="45720" rIns="91440" bIns="45720" numCol="1" anchor="ctr" anchorCtr="0" compatLnSpc="1">
-            <a:prstTxWarp prst="textNoShape">
-              <a:avLst/>
-            </a:prstTxWarp>
-            <a:spAutoFit/>
-          </a:bodyPr>
-          <a:lstStyle/>
-          <a:p>
-            <a:pPr marL="0" marR="0" lvl="0" indent="0" algn="l" defTabSz="914400" rtl="0" eaLnBrk="0" fontAlgn="base" latinLnBrk="0" hangingPunct="0">
-              <a:lnSpc>
-                <a:spcPct val="100000"/>
-              </a:lnSpc>
-              <a:spcBef>
-                <a:spcPct val="0"/>
-              </a:spcBef>
-              <a:spcAft>
-                <a:spcPct val="0"/>
-              </a:spcAft>
-              <a:buClrTx/>
-              <a:buSzTx/>
-              <a:buFontTx/>
-              <a:buNone/>
-              <a:tabLst/>
-            </a:pPr>
-            <a:r>
-              <a:rPr lang="en-US" altLang="en-US" sz="1600" dirty="0">
-                <a:solidFill>
-                  <a:srgbClr val="660033"/>
-                </a:solidFill>
-                <a:latin typeface="Arial Unicode MS" panose="020B0604020202020204" pitchFamily="34" charset="-128"/>
-              </a:rPr>
-              <a:t>MAE</a:t>
-            </a:r>
-            <a:r>
-              <a:rPr lang="en-US" altLang="en-US" sz="1600" dirty="0">
-                <a:solidFill>
-                  <a:schemeClr val="tx1"/>
-                </a:solidFill>
-                <a:latin typeface="Arial Unicode MS" panose="020B0604020202020204" pitchFamily="34" charset="-128"/>
-              </a:rPr>
-              <a:t> for test set is </a:t>
-            </a:r>
-            <a:r>
-              <a:rPr lang="en-US" altLang="en-US" sz="1600" dirty="0" smtClean="0">
-                <a:solidFill>
-                  <a:schemeClr val="tx1"/>
-                </a:solidFill>
-                <a:latin typeface="Arial Unicode MS" panose="020B0604020202020204" pitchFamily="34" charset="-128"/>
-              </a:rPr>
-              <a:t>1.76 </a:t>
-            </a:r>
-            <a:endParaRPr lang="en-US" altLang="en-US" sz="1600" dirty="0">
-              <a:solidFill>
-                <a:schemeClr val="tx1"/>
-              </a:solidFill>
-              <a:latin typeface="Arial Unicode MS" panose="020B0604020202020204" pitchFamily="34" charset="-128"/>
-            </a:endParaRPr>
-          </a:p>
-          <a:p>
-            <a:pPr marL="0" marR="0" lvl="0" indent="0" algn="l" defTabSz="914400" rtl="0" eaLnBrk="0" fontAlgn="base" latinLnBrk="0" hangingPunct="0">
-              <a:lnSpc>
-                <a:spcPct val="100000"/>
-              </a:lnSpc>
-              <a:spcBef>
-                <a:spcPct val="0"/>
-              </a:spcBef>
-              <a:spcAft>
-                <a:spcPct val="0"/>
-              </a:spcAft>
-              <a:buClrTx/>
-              <a:buSzTx/>
-              <a:buFontTx/>
-              <a:buNone/>
-              <a:tabLst/>
-            </a:pPr>
-            <a:r>
-              <a:rPr lang="en-US" altLang="en-US" sz="1600" dirty="0">
-                <a:solidFill>
-                  <a:srgbClr val="660033"/>
-                </a:solidFill>
-                <a:latin typeface="Arial Unicode MS" panose="020B0604020202020204" pitchFamily="34" charset="-128"/>
-              </a:rPr>
-              <a:t>MSE </a:t>
-            </a:r>
-            <a:r>
-              <a:rPr lang="en-US" altLang="en-US" sz="1600" dirty="0">
-                <a:solidFill>
-                  <a:schemeClr val="tx1"/>
-                </a:solidFill>
-                <a:latin typeface="Arial Unicode MS" panose="020B0604020202020204" pitchFamily="34" charset="-128"/>
-              </a:rPr>
-              <a:t>for test set is </a:t>
-            </a:r>
-            <a:r>
-              <a:rPr lang="en-US" altLang="en-US" sz="1600" dirty="0" smtClean="0">
-                <a:solidFill>
-                  <a:schemeClr val="tx1"/>
-                </a:solidFill>
-                <a:latin typeface="Arial Unicode MS" panose="020B0604020202020204" pitchFamily="34" charset="-128"/>
-              </a:rPr>
-              <a:t>7.44</a:t>
-            </a:r>
-            <a:endParaRPr lang="en-US" altLang="en-US" sz="1600" dirty="0">
-              <a:solidFill>
-                <a:schemeClr val="tx1"/>
-              </a:solidFill>
-              <a:latin typeface="Arial Unicode MS" panose="020B0604020202020204" pitchFamily="34" charset="-128"/>
-            </a:endParaRPr>
-          </a:p>
-          <a:p>
-            <a:pPr marL="0" marR="0" lvl="0" indent="0" algn="l" defTabSz="914400" rtl="0" eaLnBrk="0" fontAlgn="base" latinLnBrk="0" hangingPunct="0">
-              <a:lnSpc>
-                <a:spcPct val="100000"/>
-              </a:lnSpc>
-              <a:spcBef>
-                <a:spcPct val="0"/>
-              </a:spcBef>
-              <a:spcAft>
-                <a:spcPct val="0"/>
-              </a:spcAft>
-              <a:buClrTx/>
-              <a:buSzTx/>
-              <a:buFontTx/>
-              <a:buNone/>
-              <a:tabLst/>
-            </a:pPr>
-            <a:r>
-              <a:rPr lang="en-US" altLang="en-US" sz="1600" dirty="0">
-                <a:solidFill>
-                  <a:srgbClr val="660033"/>
-                </a:solidFill>
-                <a:latin typeface="Arial Unicode MS" panose="020B0604020202020204" pitchFamily="34" charset="-128"/>
-              </a:rPr>
-              <a:t>RMSE</a:t>
-            </a:r>
-            <a:r>
-              <a:rPr lang="en-US" altLang="en-US" sz="1600" dirty="0">
-                <a:solidFill>
-                  <a:schemeClr val="tx1"/>
-                </a:solidFill>
-                <a:latin typeface="Arial Unicode MS" panose="020B0604020202020204" pitchFamily="34" charset="-128"/>
-              </a:rPr>
-              <a:t> for test set is </a:t>
-            </a:r>
-            <a:r>
-              <a:rPr lang="en-US" altLang="en-US" sz="1600" dirty="0" smtClean="0">
-                <a:solidFill>
-                  <a:schemeClr val="tx1"/>
-                </a:solidFill>
-                <a:latin typeface="Arial Unicode MS" panose="020B0604020202020204" pitchFamily="34" charset="-128"/>
-              </a:rPr>
-              <a:t>2.72</a:t>
-            </a:r>
-            <a:endParaRPr lang="en-US" altLang="en-US" sz="1600" dirty="0">
-              <a:solidFill>
-                <a:schemeClr val="tx1"/>
-              </a:solidFill>
-              <a:latin typeface="Arial Unicode MS" panose="020B0604020202020204" pitchFamily="34" charset="-128"/>
-            </a:endParaRPr>
-          </a:p>
-          <a:p>
-            <a:pPr marL="0" marR="0" lvl="0" indent="0" algn="l" defTabSz="914400" rtl="0" eaLnBrk="0" fontAlgn="base" latinLnBrk="0" hangingPunct="0">
-              <a:lnSpc>
-                <a:spcPct val="100000"/>
-              </a:lnSpc>
-              <a:spcBef>
-                <a:spcPct val="0"/>
-              </a:spcBef>
-              <a:spcAft>
-                <a:spcPct val="0"/>
-              </a:spcAft>
-              <a:buClrTx/>
-              <a:buSzTx/>
-              <a:buFontTx/>
-              <a:buNone/>
-              <a:tabLst/>
-            </a:pPr>
-            <a:r>
-              <a:rPr lang="en-US" altLang="en-US" sz="1600" dirty="0" smtClean="0">
-                <a:solidFill>
-                  <a:srgbClr val="660033"/>
-                </a:solidFill>
-                <a:latin typeface="Arial Unicode MS" panose="020B0604020202020204" pitchFamily="34" charset="-128"/>
-              </a:rPr>
-              <a:t>R**2 </a:t>
-            </a:r>
-            <a:r>
-              <a:rPr lang="en-US" altLang="en-US" sz="1600" dirty="0">
-                <a:solidFill>
-                  <a:schemeClr val="tx1"/>
-                </a:solidFill>
-                <a:latin typeface="Arial Unicode MS" panose="020B0604020202020204" pitchFamily="34" charset="-128"/>
-              </a:rPr>
-              <a:t>f</a:t>
-            </a:r>
-            <a:r>
-              <a:rPr lang="en-US" altLang="en-US" sz="1600" dirty="0" smtClean="0">
-                <a:solidFill>
-                  <a:schemeClr val="tx1"/>
-                </a:solidFill>
-                <a:latin typeface="Arial Unicode MS" panose="020B0604020202020204" pitchFamily="34" charset="-128"/>
-              </a:rPr>
-              <a:t>or test set is -0.22</a:t>
-            </a:r>
-          </a:p>
-          <a:p>
-            <a:pPr marL="0" marR="0" lvl="0" indent="0" algn="l" defTabSz="914400" rtl="0" eaLnBrk="0" fontAlgn="base" latinLnBrk="0" hangingPunct="0">
-              <a:lnSpc>
-                <a:spcPct val="100000"/>
-              </a:lnSpc>
-              <a:spcBef>
-                <a:spcPct val="0"/>
-              </a:spcBef>
-              <a:spcAft>
-                <a:spcPct val="0"/>
-              </a:spcAft>
-              <a:buClrTx/>
-              <a:buSzTx/>
-              <a:buFontTx/>
-              <a:buNone/>
-              <a:tabLst/>
-            </a:pPr>
-            <a:r>
-              <a:rPr lang="en-US" altLang="en-US" sz="1600" dirty="0">
-                <a:solidFill>
-                  <a:srgbClr val="660033"/>
-                </a:solidFill>
-                <a:latin typeface="Arial Unicode MS" panose="020B0604020202020204" pitchFamily="34" charset="-128"/>
-              </a:rPr>
-              <a:t>Adjusted</a:t>
-            </a:r>
-            <a:r>
-              <a:rPr lang="en-US" altLang="en-US" sz="1600" dirty="0" smtClean="0">
-                <a:solidFill>
-                  <a:schemeClr val="tx1"/>
-                </a:solidFill>
-                <a:latin typeface="Arial Unicode MS" panose="020B0604020202020204" pitchFamily="34" charset="-128"/>
-              </a:rPr>
-              <a:t> R**2 for test set is -0.23 </a:t>
-            </a:r>
-            <a:endParaRPr lang="en-US" altLang="en-US" sz="1600" dirty="0">
-              <a:solidFill>
-                <a:schemeClr val="tx1"/>
-              </a:solidFill>
-              <a:latin typeface="Arial Unicode MS" panose="020B0604020202020204" pitchFamily="34" charset="-128"/>
-            </a:endParaRPr>
-          </a:p>
-        </p:txBody>
-      </p:sp>
-      <p:sp>
-        <p:nvSpPr>
-          <p:cNvPr id="12" name="Flowchart: Connector 11"/>
-          <p:cNvSpPr/>
-          <p:nvPr/>
-        </p:nvSpPr>
-        <p:spPr>
-          <a:xfrm>
-            <a:off x="1000098" y="993610"/>
-            <a:ext cx="1463040" cy="1463040"/>
-          </a:xfrm>
-          <a:prstGeom prst="flowChartConnector">
-            <a:avLst/>
-          </a:prstGeom>
-          <a:solidFill>
-            <a:schemeClr val="bg1">
-              <a:lumMod val="85000"/>
-            </a:schemeClr>
-          </a:solidFill>
-        </p:spPr>
-        <p:style>
-          <a:lnRef idx="2">
-            <a:schemeClr val="accent1">
-              <a:shade val="50000"/>
-            </a:schemeClr>
-          </a:lnRef>
-          <a:fillRef idx="1">
-            <a:schemeClr val="accent1"/>
-          </a:fillRef>
-          <a:effectRef idx="0">
-            <a:schemeClr val="accent1"/>
-          </a:effectRef>
-          <a:fontRef idx="minor">
-            <a:schemeClr val="lt1"/>
-          </a:fontRef>
-        </p:style>
-        <p:txBody>
-          <a:bodyPr rtlCol="0" anchor="ctr"/>
-          <a:lstStyle/>
-          <a:p>
-            <a:pPr algn="ctr"/>
-            <a:r>
-              <a:rPr lang="en-US" dirty="0" smtClean="0">
-                <a:solidFill>
-                  <a:srgbClr val="660033"/>
-                </a:solidFill>
-              </a:rPr>
-              <a:t>Decision Tree Regressor</a:t>
-            </a:r>
-            <a:endParaRPr lang="en-US" dirty="0">
-              <a:solidFill>
-                <a:srgbClr val="660033"/>
-              </a:solidFill>
-            </a:endParaRPr>
-          </a:p>
-        </p:txBody>
-      </p:sp>
-      <p:sp>
-        <p:nvSpPr>
-          <p:cNvPr id="13" name="Flowchart: Connector 12"/>
-          <p:cNvSpPr/>
-          <p:nvPr/>
-        </p:nvSpPr>
-        <p:spPr>
-          <a:xfrm>
-            <a:off x="993347" y="2979451"/>
-            <a:ext cx="1463040" cy="1463040"/>
-          </a:xfrm>
-          <a:prstGeom prst="flowChartConnector">
-            <a:avLst/>
-          </a:prstGeom>
-          <a:solidFill>
-            <a:schemeClr val="accent5">
-              <a:lumMod val="20000"/>
-              <a:lumOff val="80000"/>
-            </a:schemeClr>
-          </a:solidFill>
-        </p:spPr>
-        <p:style>
-          <a:lnRef idx="2">
-            <a:schemeClr val="accent1">
-              <a:shade val="50000"/>
-            </a:schemeClr>
-          </a:lnRef>
-          <a:fillRef idx="1">
-            <a:schemeClr val="accent1"/>
-          </a:fillRef>
-          <a:effectRef idx="0">
-            <a:schemeClr val="accent1"/>
-          </a:effectRef>
-          <a:fontRef idx="minor">
-            <a:schemeClr val="lt1"/>
-          </a:fontRef>
-        </p:style>
-        <p:txBody>
-          <a:bodyPr rtlCol="0" anchor="ctr"/>
-          <a:lstStyle/>
-          <a:p>
-            <a:pPr algn="ctr"/>
-            <a:r>
-              <a:rPr lang="en-US" dirty="0" smtClean="0">
-                <a:solidFill>
-                  <a:srgbClr val="660033"/>
-                </a:solidFill>
-              </a:rPr>
-              <a:t>Random Forest Regressor</a:t>
-            </a:r>
-            <a:endParaRPr lang="en-US" dirty="0">
-              <a:solidFill>
-                <a:srgbClr val="660033"/>
-              </a:solidFill>
-            </a:endParaRPr>
-          </a:p>
-        </p:txBody>
-      </p:sp>
-      <p:sp>
-        <p:nvSpPr>
-          <p:cNvPr id="14" name="Right Arrow 13"/>
-          <p:cNvSpPr/>
-          <p:nvPr/>
-        </p:nvSpPr>
-        <p:spPr>
-          <a:xfrm>
-            <a:off x="2460359" y="1626546"/>
-            <a:ext cx="430651" cy="209628"/>
-          </a:xfrm>
-          <a:prstGeom prst="rightArrow">
-            <a:avLst/>
-          </a:prstGeom>
-          <a:solidFill>
-            <a:schemeClr val="tx2">
-              <a:lumMod val="10000"/>
-            </a:schemeClr>
-          </a:solidFill>
-        </p:spPr>
-        <p:style>
-          <a:lnRef idx="2">
-            <a:schemeClr val="accent1">
-              <a:shade val="50000"/>
-            </a:schemeClr>
-          </a:lnRef>
-          <a:fillRef idx="1">
-            <a:schemeClr val="accent1"/>
-          </a:fillRef>
-          <a:effectRef idx="0">
-            <a:schemeClr val="accent1"/>
-          </a:effectRef>
-          <a:fontRef idx="minor">
-            <a:schemeClr val="lt1"/>
-          </a:fontRef>
-        </p:style>
-        <p:txBody>
-          <a:bodyPr rtlCol="0" anchor="ctr"/>
-          <a:lstStyle/>
-          <a:p>
-            <a:pPr algn="ctr"/>
-            <a:endParaRPr lang="en-US"/>
-          </a:p>
-        </p:txBody>
-      </p:sp>
-      <p:sp>
-        <p:nvSpPr>
-          <p:cNvPr id="15" name="Right Arrow 14"/>
-          <p:cNvSpPr/>
-          <p:nvPr/>
-        </p:nvSpPr>
-        <p:spPr>
-          <a:xfrm>
-            <a:off x="2452408" y="3594386"/>
-            <a:ext cx="430651" cy="172630"/>
-          </a:xfrm>
-          <a:prstGeom prst="rightArrow">
-            <a:avLst/>
-          </a:prstGeom>
-          <a:solidFill>
-            <a:schemeClr val="tx1"/>
-          </a:solidFill>
-        </p:spPr>
-        <p:style>
-          <a:lnRef idx="2">
-            <a:schemeClr val="accent1">
-              <a:shade val="50000"/>
-            </a:schemeClr>
-          </a:lnRef>
-          <a:fillRef idx="1">
-            <a:schemeClr val="accent1"/>
-          </a:fillRef>
-          <a:effectRef idx="0">
-            <a:schemeClr val="accent1"/>
-          </a:effectRef>
-          <a:fontRef idx="minor">
-            <a:schemeClr val="lt1"/>
-          </a:fontRef>
-        </p:style>
-        <p:txBody>
-          <a:bodyPr rtlCol="0" anchor="ctr"/>
-          <a:lstStyle/>
-          <a:p>
-            <a:pPr algn="ctr"/>
-            <a:endParaRPr lang="en-US"/>
-          </a:p>
-        </p:txBody>
-      </p:sp>
-      <p:sp>
-        <p:nvSpPr>
-          <p:cNvPr id="10" name="Rectangle 9"/>
-          <p:cNvSpPr/>
-          <p:nvPr/>
-        </p:nvSpPr>
-        <p:spPr>
-          <a:xfrm>
-            <a:off x="3071174" y="574164"/>
-            <a:ext cx="2579077" cy="328808"/>
-          </a:xfrm>
-          <a:prstGeom prst="rect">
-            <a:avLst/>
-          </a:prstGeom>
-          <a:solidFill>
-            <a:schemeClr val="tx1">
-              <a:lumMod val="10000"/>
-              <a:lumOff val="90000"/>
-            </a:schemeClr>
-          </a:solidFill>
-        </p:spPr>
-        <p:style>
-          <a:lnRef idx="2">
-            <a:schemeClr val="accent1">
-              <a:shade val="50000"/>
-            </a:schemeClr>
-          </a:lnRef>
-          <a:fillRef idx="1">
-            <a:schemeClr val="accent1"/>
-          </a:fillRef>
-          <a:effectRef idx="0">
-            <a:schemeClr val="accent1"/>
-          </a:effectRef>
-          <a:fontRef idx="minor">
-            <a:schemeClr val="lt1"/>
-          </a:fontRef>
-        </p:style>
-        <p:txBody>
-          <a:bodyPr rtlCol="0" anchor="ctr"/>
-          <a:lstStyle/>
-          <a:p>
-            <a:pPr algn="ctr"/>
-            <a:r>
-              <a:rPr lang="en-US" dirty="0" smtClean="0">
-                <a:solidFill>
-                  <a:srgbClr val="660033"/>
-                </a:solidFill>
-              </a:rPr>
-              <a:t>Train – Test Split: 60:40</a:t>
-            </a:r>
-            <a:endParaRPr lang="en-US" dirty="0">
-              <a:solidFill>
-                <a:srgbClr val="660033"/>
-              </a:solidFill>
-            </a:endParaRPr>
-          </a:p>
-        </p:txBody>
-      </p:sp>
-      <p:sp>
-        <p:nvSpPr>
-          <p:cNvPr id="16" name="Down Arrow 15"/>
-          <p:cNvSpPr/>
-          <p:nvPr/>
-        </p:nvSpPr>
-        <p:spPr>
-          <a:xfrm>
-            <a:off x="4285174" y="929062"/>
-            <a:ext cx="151075" cy="236683"/>
-          </a:xfrm>
-          <a:prstGeom prst="downArrow">
-            <a:avLst/>
-          </a:prstGeom>
-          <a:solidFill>
-            <a:schemeClr val="tx1"/>
-          </a:solidFill>
-        </p:spPr>
-        <p:style>
-          <a:lnRef idx="2">
-            <a:schemeClr val="accent1">
-              <a:shade val="50000"/>
-            </a:schemeClr>
-          </a:lnRef>
-          <a:fillRef idx="1">
-            <a:schemeClr val="accent1"/>
-          </a:fillRef>
-          <a:effectRef idx="0">
-            <a:schemeClr val="accent1"/>
-          </a:effectRef>
-          <a:fontRef idx="minor">
-            <a:schemeClr val="lt1"/>
-          </a:fontRef>
-        </p:style>
-        <p:txBody>
-          <a:bodyPr rtlCol="0" anchor="ctr"/>
-          <a:lstStyle/>
-          <a:p>
-            <a:pPr algn="ctr"/>
-            <a:endParaRPr lang="en-US"/>
-          </a:p>
-        </p:txBody>
-      </p:sp>
-    </p:spTree>
-    <p:extLst>
-      <p:ext uri="{BB962C8B-B14F-4D97-AF65-F5344CB8AC3E}">
-        <p14:creationId xmlns:p14="http://schemas.microsoft.com/office/powerpoint/2010/main" val="880227371"/>
-      </p:ext>
-    </p:extLst>
-  </p:cSld>
-  <p:clrMapOvr>
-    <a:masterClrMapping/>
-  </p:clrMapOvr>
-  <p:timing>
-    <p:tnLst>
-      <p:par>
-        <p:cTn id="1" dur="indefinite" restart="never" nodeType="tmRoot"/>
-      </p:par>
-    </p:tnLst>
-  </p:timing>
-</p:sld>
-</file>
-
-<file path=ppt/slides/slide15.xml><?xml version="1.0" encoding="utf-8"?>
-<p:sld xmlns:a="http://schemas.openxmlformats.org/drawingml/2006/main" xmlns:r="http://schemas.openxmlformats.org/officeDocument/2006/relationships" xmlns:p="http://schemas.openxmlformats.org/presentationml/2006/main">
-  <p:cSld>
-    <p:spTree>
-      <p:nvGrpSpPr>
-        <p:cNvPr id="1" name=""/>
-        <p:cNvGrpSpPr/>
-        <p:nvPr/>
-      </p:nvGrpSpPr>
-      <p:grpSpPr>
-        <a:xfrm>
-          <a:off x="0" y="0"/>
-          <a:ext cx="0" cy="0"/>
-          <a:chOff x="0" y="0"/>
-          <a:chExt cx="0" cy="0"/>
-        </a:xfrm>
-      </p:grpSpPr>
-      <p:sp>
-        <p:nvSpPr>
-          <p:cNvPr id="2" name="Title 1"/>
-          <p:cNvSpPr>
-            <a:spLocks noGrp="1"/>
-          </p:cNvSpPr>
-          <p:nvPr>
-            <p:ph type="title"/>
-          </p:nvPr>
-        </p:nvSpPr>
-        <p:spPr>
-          <a:xfrm>
-            <a:off x="378884" y="116453"/>
-            <a:ext cx="7858667" cy="527603"/>
-          </a:xfrm>
-        </p:spPr>
-        <p:txBody>
-          <a:bodyPr/>
-          <a:lstStyle/>
-          <a:p>
-            <a:r>
-              <a:rPr lang="en-US" sz="2400" b="0" dirty="0">
-                <a:solidFill>
-                  <a:srgbClr val="660033"/>
-                </a:solidFill>
-              </a:rPr>
-              <a:t>Random Forest Regressor - </a:t>
-            </a:r>
-            <a:r>
-              <a:rPr lang="en-US" sz="2400" b="0" dirty="0" smtClean="0">
-                <a:solidFill>
-                  <a:srgbClr val="660033"/>
-                </a:solidFill>
-              </a:rPr>
-              <a:t>RandomizedSearchCV</a:t>
-            </a:r>
-            <a:endParaRPr lang="en-US" sz="2400" b="0" dirty="0">
-              <a:solidFill>
-                <a:srgbClr val="660033"/>
-              </a:solidFill>
-            </a:endParaRPr>
-          </a:p>
-        </p:txBody>
-      </p:sp>
-      <p:sp>
-        <p:nvSpPr>
-          <p:cNvPr id="4" name="Slide Number Placeholder 3"/>
-          <p:cNvSpPr>
-            <a:spLocks noGrp="1"/>
-          </p:cNvSpPr>
-          <p:nvPr>
-            <p:ph type="sldNum" idx="12"/>
-          </p:nvPr>
-        </p:nvSpPr>
-        <p:spPr/>
-        <p:txBody>
-          <a:bodyPr/>
-          <a:lstStyle/>
-          <a:p>
-            <a:pPr marL="0" lvl="0" indent="0" algn="ctr" rtl="0">
-              <a:spcBef>
-                <a:spcPts val="0"/>
-              </a:spcBef>
-              <a:spcAft>
-                <a:spcPts val="0"/>
-              </a:spcAft>
-              <a:buNone/>
-            </a:pPr>
-            <a:fld id="{00000000-1234-1234-1234-123412341234}" type="slidenum">
-              <a:rPr lang="en" smtClean="0"/>
-              <a:t>15</a:t>
-            </a:fld>
-            <a:endParaRPr lang="en"/>
-          </a:p>
-        </p:txBody>
-      </p:sp>
-      <p:sp>
-        <p:nvSpPr>
-          <p:cNvPr id="5" name="Rectangle 1"/>
-          <p:cNvSpPr>
-            <a:spLocks noChangeArrowheads="1"/>
-          </p:cNvSpPr>
-          <p:nvPr/>
-        </p:nvSpPr>
-        <p:spPr bwMode="auto">
-          <a:xfrm>
-            <a:off x="2641041" y="1739899"/>
-            <a:ext cx="3136078" cy="1323439"/>
-          </a:xfrm>
-          <a:prstGeom prst="rect">
-            <a:avLst/>
-          </a:prstGeom>
-          <a:solidFill>
-            <a:schemeClr val="tx1">
-              <a:lumMod val="25000"/>
-              <a:lumOff val="75000"/>
-            </a:schemeClr>
-          </a:solidFill>
-          <a:ln w="9525">
-            <a:solidFill>
-              <a:schemeClr val="tx1"/>
-            </a:solidFill>
-            <a:miter lim="800000"/>
-            <a:headEnd/>
-            <a:tailEnd/>
-          </a:ln>
-          <a:effectLst/>
-        </p:spPr>
-        <p:txBody>
-          <a:bodyPr vert="horz" wrap="square" lIns="91440" tIns="45720" rIns="91440" bIns="45720" numCol="1" anchor="ctr" anchorCtr="0" compatLnSpc="1">
-            <a:prstTxWarp prst="textNoShape">
-              <a:avLst/>
-            </a:prstTxWarp>
-            <a:spAutoFit/>
-          </a:bodyPr>
-          <a:lstStyle/>
-          <a:p>
-            <a:pPr marL="0" marR="0" lvl="0" indent="0" algn="l" defTabSz="914400" rtl="0" eaLnBrk="0" fontAlgn="base" latinLnBrk="0" hangingPunct="0">
-              <a:lnSpc>
-                <a:spcPct val="100000"/>
-              </a:lnSpc>
-              <a:spcBef>
-                <a:spcPct val="0"/>
-              </a:spcBef>
-              <a:spcAft>
-                <a:spcPct val="0"/>
-              </a:spcAft>
-              <a:buClrTx/>
-              <a:buSzTx/>
-              <a:buFontTx/>
-              <a:buNone/>
-              <a:tabLst/>
-            </a:pPr>
-            <a:r>
-              <a:rPr kumimoji="0" lang="en-US" altLang="en-US" sz="1600" b="0" i="0" u="none" strike="noStrike" cap="none" normalizeH="0" baseline="0" dirty="0" smtClean="0">
-                <a:ln>
-                  <a:noFill/>
-                </a:ln>
-                <a:solidFill>
-                  <a:srgbClr val="660033"/>
-                </a:solidFill>
-                <a:effectLst/>
-                <a:latin typeface="Arial Unicode MS" panose="020B0604020202020204" pitchFamily="34" charset="-128"/>
-              </a:rPr>
-              <a:t>MAE</a:t>
-            </a:r>
-            <a:r>
-              <a:rPr kumimoji="0" lang="en-US" altLang="en-US" sz="1600" b="0" i="0" u="none" strike="noStrike" cap="none" normalizeH="0" baseline="0" dirty="0" smtClean="0">
-                <a:ln>
-                  <a:noFill/>
-                </a:ln>
-                <a:solidFill>
-                  <a:schemeClr val="tx1"/>
-                </a:solidFill>
-                <a:effectLst/>
-                <a:latin typeface="Arial Unicode MS" panose="020B0604020202020204" pitchFamily="34" charset="-128"/>
-              </a:rPr>
-              <a:t> for test set is 1.52 </a:t>
-            </a:r>
-          </a:p>
-          <a:p>
-            <a:pPr marL="0" marR="0" lvl="0" indent="0" algn="l" defTabSz="914400" rtl="0" eaLnBrk="0" fontAlgn="base" latinLnBrk="0" hangingPunct="0">
-              <a:lnSpc>
-                <a:spcPct val="100000"/>
-              </a:lnSpc>
-              <a:spcBef>
-                <a:spcPct val="0"/>
-              </a:spcBef>
-              <a:spcAft>
-                <a:spcPct val="0"/>
-              </a:spcAft>
-              <a:buClrTx/>
-              <a:buSzTx/>
-              <a:buFontTx/>
-              <a:buNone/>
-              <a:tabLst/>
-            </a:pPr>
-            <a:r>
-              <a:rPr kumimoji="0" lang="en-US" altLang="en-US" sz="1600" b="0" i="0" u="none" strike="noStrike" cap="none" normalizeH="0" baseline="0" dirty="0" smtClean="0">
-                <a:ln>
-                  <a:noFill/>
-                </a:ln>
-                <a:solidFill>
-                  <a:srgbClr val="660033"/>
-                </a:solidFill>
-                <a:effectLst/>
-                <a:latin typeface="Arial Unicode MS" panose="020B0604020202020204" pitchFamily="34" charset="-128"/>
-              </a:rPr>
-              <a:t>MSE</a:t>
-            </a:r>
-            <a:r>
-              <a:rPr kumimoji="0" lang="en-US" altLang="en-US" sz="1600" b="0" i="0" u="none" strike="noStrike" cap="none" normalizeH="0" baseline="0" dirty="0" smtClean="0">
-                <a:ln>
-                  <a:noFill/>
-                </a:ln>
-                <a:solidFill>
-                  <a:schemeClr val="tx1"/>
-                </a:solidFill>
-                <a:effectLst/>
-                <a:latin typeface="Arial Unicode MS" panose="020B0604020202020204" pitchFamily="34" charset="-128"/>
-              </a:rPr>
-              <a:t> for test set is 3.82</a:t>
-            </a:r>
-          </a:p>
-          <a:p>
-            <a:pPr marL="0" marR="0" lvl="0" indent="0" algn="l" defTabSz="914400" rtl="0" eaLnBrk="0" fontAlgn="base" latinLnBrk="0" hangingPunct="0">
-              <a:lnSpc>
-                <a:spcPct val="100000"/>
-              </a:lnSpc>
-              <a:spcBef>
-                <a:spcPct val="0"/>
-              </a:spcBef>
-              <a:spcAft>
-                <a:spcPct val="0"/>
-              </a:spcAft>
-              <a:buClrTx/>
-              <a:buSzTx/>
-              <a:buFontTx/>
-              <a:buNone/>
-              <a:tabLst/>
-            </a:pPr>
-            <a:r>
-              <a:rPr kumimoji="0" lang="en-US" altLang="en-US" sz="1600" b="0" i="0" u="none" strike="noStrike" cap="none" normalizeH="0" baseline="0" dirty="0" smtClean="0">
-                <a:ln>
-                  <a:noFill/>
-                </a:ln>
-                <a:solidFill>
-                  <a:srgbClr val="660033"/>
-                </a:solidFill>
-                <a:effectLst/>
-                <a:latin typeface="Arial Unicode MS" panose="020B0604020202020204" pitchFamily="34" charset="-128"/>
-              </a:rPr>
-              <a:t>RMSE</a:t>
-            </a:r>
-            <a:r>
-              <a:rPr kumimoji="0" lang="en-US" altLang="en-US" sz="1600" b="0" i="0" u="none" strike="noStrike" cap="none" normalizeH="0" baseline="0" dirty="0" smtClean="0">
-                <a:ln>
-                  <a:noFill/>
-                </a:ln>
-                <a:solidFill>
-                  <a:schemeClr val="tx1"/>
-                </a:solidFill>
-                <a:effectLst/>
-                <a:latin typeface="Arial Unicode MS" panose="020B0604020202020204" pitchFamily="34" charset="-128"/>
-              </a:rPr>
-              <a:t> for test set is</a:t>
-            </a:r>
-            <a:r>
-              <a:rPr kumimoji="0" lang="en-US" altLang="en-US" sz="1600" b="0" i="0" u="none" strike="noStrike" cap="none" normalizeH="0" dirty="0" smtClean="0">
-                <a:ln>
-                  <a:noFill/>
-                </a:ln>
-                <a:solidFill>
-                  <a:schemeClr val="tx1"/>
-                </a:solidFill>
-                <a:effectLst/>
-                <a:latin typeface="Arial Unicode MS" panose="020B0604020202020204" pitchFamily="34" charset="-128"/>
-              </a:rPr>
-              <a:t> 1.95</a:t>
-            </a:r>
-            <a:endParaRPr kumimoji="0" lang="en-US" altLang="en-US" sz="1600" b="0" i="0" u="none" strike="noStrike" cap="none" normalizeH="0" baseline="0" dirty="0" smtClean="0">
-              <a:ln>
-                <a:noFill/>
-              </a:ln>
-              <a:solidFill>
-                <a:schemeClr val="tx1"/>
-              </a:solidFill>
-              <a:effectLst/>
-              <a:latin typeface="Arial Unicode MS" panose="020B0604020202020204" pitchFamily="34" charset="-128"/>
-            </a:endParaRPr>
-          </a:p>
-          <a:p>
-            <a:pPr marL="0" marR="0" lvl="0" indent="0" algn="l" defTabSz="914400" rtl="0" eaLnBrk="0" fontAlgn="base" latinLnBrk="0" hangingPunct="0">
-              <a:lnSpc>
-                <a:spcPct val="100000"/>
-              </a:lnSpc>
-              <a:spcBef>
-                <a:spcPct val="0"/>
-              </a:spcBef>
-              <a:spcAft>
-                <a:spcPct val="0"/>
-              </a:spcAft>
-              <a:buClrTx/>
-              <a:buSzTx/>
-              <a:buFontTx/>
-              <a:buNone/>
-              <a:tabLst/>
-            </a:pPr>
-            <a:r>
-              <a:rPr lang="en-US" altLang="en-US" sz="1600" dirty="0" smtClean="0">
-                <a:solidFill>
-                  <a:srgbClr val="660033"/>
-                </a:solidFill>
-                <a:latin typeface="Arial Unicode MS" panose="020B0604020202020204" pitchFamily="34" charset="-128"/>
-              </a:rPr>
-              <a:t>R**2 </a:t>
-            </a:r>
-            <a:r>
-              <a:rPr lang="en-US" altLang="en-US" sz="1600" dirty="0" smtClean="0">
-                <a:solidFill>
-                  <a:schemeClr val="tx1"/>
-                </a:solidFill>
-                <a:latin typeface="Arial Unicode MS" panose="020B0604020202020204" pitchFamily="34" charset="-128"/>
-              </a:rPr>
-              <a:t> for test set is </a:t>
-            </a:r>
-            <a:r>
-              <a:rPr kumimoji="0" lang="en-US" altLang="en-US" sz="1600" b="0" i="0" u="none" strike="noStrike" cap="none" normalizeH="0" baseline="0" dirty="0" smtClean="0">
-                <a:ln>
-                  <a:noFill/>
-                </a:ln>
-                <a:solidFill>
-                  <a:schemeClr val="tx1"/>
-                </a:solidFill>
-                <a:effectLst/>
-                <a:latin typeface="Arial Unicode MS" panose="020B0604020202020204" pitchFamily="34" charset="-128"/>
-              </a:rPr>
-              <a:t>0.37</a:t>
-            </a:r>
-          </a:p>
-          <a:p>
-            <a:pPr marL="0" marR="0" lvl="0" indent="0" algn="l" defTabSz="914400" rtl="0" eaLnBrk="0" fontAlgn="base" latinLnBrk="0" hangingPunct="0">
-              <a:lnSpc>
-                <a:spcPct val="100000"/>
-              </a:lnSpc>
-              <a:spcBef>
-                <a:spcPct val="0"/>
-              </a:spcBef>
-              <a:spcAft>
-                <a:spcPct val="0"/>
-              </a:spcAft>
-              <a:buClrTx/>
-              <a:buSzTx/>
-              <a:buFontTx/>
-              <a:buNone/>
-              <a:tabLst/>
-            </a:pPr>
-            <a:r>
-              <a:rPr lang="en-US" altLang="en-US" sz="1600" dirty="0" smtClean="0">
-                <a:solidFill>
-                  <a:srgbClr val="660033"/>
-                </a:solidFill>
-                <a:latin typeface="Arial Unicode MS" panose="020B0604020202020204" pitchFamily="34" charset="-128"/>
-              </a:rPr>
-              <a:t>Adjusted R**2 </a:t>
-            </a:r>
-            <a:r>
-              <a:rPr lang="en-US" altLang="en-US" sz="1600" dirty="0" smtClean="0">
-                <a:solidFill>
-                  <a:schemeClr val="tx1"/>
-                </a:solidFill>
-                <a:latin typeface="Arial Unicode MS" panose="020B0604020202020204" pitchFamily="34" charset="-128"/>
-              </a:rPr>
-              <a:t>for test set is </a:t>
-            </a:r>
-            <a:r>
-              <a:rPr kumimoji="0" lang="en-US" altLang="en-US" sz="1600" b="0" i="0" u="none" strike="noStrike" cap="none" normalizeH="0" baseline="0" dirty="0" smtClean="0">
-                <a:ln>
-                  <a:noFill/>
-                </a:ln>
-                <a:solidFill>
-                  <a:schemeClr val="tx1"/>
-                </a:solidFill>
-                <a:effectLst/>
-                <a:latin typeface="Arial Unicode MS" panose="020B0604020202020204" pitchFamily="34" charset="-128"/>
-              </a:rPr>
-              <a:t>0.37</a:t>
-            </a:r>
-            <a:endParaRPr kumimoji="0" lang="en-US" altLang="en-US" sz="1600" b="0" i="0" u="none" strike="noStrike" cap="none" normalizeH="0" baseline="0" dirty="0" smtClean="0">
-              <a:ln>
-                <a:noFill/>
-              </a:ln>
-              <a:solidFill>
-                <a:schemeClr val="tx1"/>
-              </a:solidFill>
-              <a:effectLst/>
-              <a:latin typeface="Arial" panose="020B0604020202020204" pitchFamily="34" charset="0"/>
-            </a:endParaRPr>
-          </a:p>
-        </p:txBody>
-      </p:sp>
-      <p:sp>
-        <p:nvSpPr>
-          <p:cNvPr id="6" name="Flowchart: Connector 5"/>
-          <p:cNvSpPr/>
-          <p:nvPr/>
-        </p:nvSpPr>
-        <p:spPr>
-          <a:xfrm>
-            <a:off x="751329" y="1739899"/>
-            <a:ext cx="1463040" cy="1463040"/>
-          </a:xfrm>
-          <a:prstGeom prst="flowChartConnector">
-            <a:avLst/>
-          </a:prstGeom>
-          <a:solidFill>
-            <a:schemeClr val="accent2">
-              <a:lumMod val="40000"/>
-              <a:lumOff val="60000"/>
-            </a:schemeClr>
-          </a:solidFill>
-        </p:spPr>
-        <p:style>
-          <a:lnRef idx="2">
-            <a:schemeClr val="accent1">
-              <a:shade val="50000"/>
-            </a:schemeClr>
-          </a:lnRef>
-          <a:fillRef idx="1">
-            <a:schemeClr val="accent1"/>
-          </a:fillRef>
-          <a:effectRef idx="0">
-            <a:schemeClr val="accent1"/>
-          </a:effectRef>
-          <a:fontRef idx="minor">
-            <a:schemeClr val="lt1"/>
-          </a:fontRef>
-        </p:style>
-        <p:txBody>
-          <a:bodyPr rtlCol="0" anchor="ctr"/>
-          <a:lstStyle/>
-          <a:p>
-            <a:pPr algn="ctr"/>
-            <a:r>
-              <a:rPr lang="en-US" dirty="0" smtClean="0">
-                <a:solidFill>
-                  <a:srgbClr val="660033"/>
-                </a:solidFill>
-              </a:rPr>
-              <a:t>Random Forest Regressor</a:t>
-            </a:r>
-            <a:endParaRPr lang="en-US" dirty="0">
-              <a:solidFill>
-                <a:srgbClr val="660033"/>
-              </a:solidFill>
-            </a:endParaRPr>
-          </a:p>
-        </p:txBody>
-      </p:sp>
-      <p:sp>
-        <p:nvSpPr>
-          <p:cNvPr id="7" name="Right Arrow 6"/>
-          <p:cNvSpPr/>
-          <p:nvPr/>
-        </p:nvSpPr>
-        <p:spPr>
-          <a:xfrm>
-            <a:off x="2210390" y="2354834"/>
-            <a:ext cx="430651" cy="172630"/>
-          </a:xfrm>
-          <a:prstGeom prst="rightArrow">
-            <a:avLst/>
-          </a:prstGeom>
-          <a:solidFill>
-            <a:schemeClr val="tx1"/>
-          </a:solidFill>
-        </p:spPr>
-        <p:style>
-          <a:lnRef idx="2">
-            <a:schemeClr val="accent1">
-              <a:shade val="50000"/>
-            </a:schemeClr>
-          </a:lnRef>
-          <a:fillRef idx="1">
-            <a:schemeClr val="accent1"/>
-          </a:fillRef>
-          <a:effectRef idx="0">
-            <a:schemeClr val="accent1"/>
-          </a:effectRef>
-          <a:fontRef idx="minor">
-            <a:schemeClr val="lt1"/>
-          </a:fontRef>
-        </p:style>
-        <p:txBody>
-          <a:bodyPr rtlCol="0" anchor="ctr"/>
-          <a:lstStyle/>
-          <a:p>
-            <a:pPr algn="ctr"/>
-            <a:endParaRPr lang="en-US"/>
-          </a:p>
-        </p:txBody>
-      </p:sp>
-      <p:sp>
-        <p:nvSpPr>
-          <p:cNvPr id="8" name="Rectangle 7"/>
-          <p:cNvSpPr/>
-          <p:nvPr/>
-        </p:nvSpPr>
-        <p:spPr>
-          <a:xfrm>
-            <a:off x="6031561" y="1474446"/>
-            <a:ext cx="2460432" cy="2016178"/>
-          </a:xfrm>
-          <a:prstGeom prst="rect">
-            <a:avLst/>
-          </a:prstGeom>
-          <a:solidFill>
-            <a:schemeClr val="accent4">
-              <a:lumMod val="40000"/>
-              <a:lumOff val="60000"/>
-            </a:schemeClr>
-          </a:solidFill>
-        </p:spPr>
-        <p:style>
-          <a:lnRef idx="2">
-            <a:schemeClr val="accent1">
-              <a:shade val="50000"/>
-            </a:schemeClr>
-          </a:lnRef>
-          <a:fillRef idx="1">
-            <a:schemeClr val="accent1"/>
-          </a:fillRef>
-          <a:effectRef idx="0">
-            <a:schemeClr val="accent1"/>
-          </a:effectRef>
-          <a:fontRef idx="minor">
-            <a:schemeClr val="lt1"/>
-          </a:fontRef>
-        </p:style>
-        <p:txBody>
-          <a:bodyPr rtlCol="0" anchor="ctr"/>
-          <a:lstStyle/>
-          <a:p>
-            <a:r>
-              <a:rPr lang="en-US" dirty="0" smtClean="0">
-                <a:solidFill>
-                  <a:srgbClr val="660033"/>
-                </a:solidFill>
-              </a:rPr>
-              <a:t>Best Params</a:t>
-            </a:r>
-          </a:p>
-          <a:p>
-            <a:r>
-              <a:rPr lang="en-US" dirty="0">
-                <a:solidFill>
-                  <a:schemeClr val="tx1"/>
-                </a:solidFill>
-              </a:rPr>
-              <a:t>{'</a:t>
-            </a:r>
-            <a:r>
-              <a:rPr lang="en-US" dirty="0" err="1">
-                <a:solidFill>
-                  <a:schemeClr val="tx1"/>
-                </a:solidFill>
-              </a:rPr>
-              <a:t>n_estimators</a:t>
-            </a:r>
-            <a:r>
-              <a:rPr lang="en-US" dirty="0">
-                <a:solidFill>
-                  <a:schemeClr val="tx1"/>
-                </a:solidFill>
-              </a:rPr>
-              <a:t>': 20,</a:t>
-            </a:r>
-          </a:p>
-          <a:p>
-            <a:r>
-              <a:rPr lang="en-US" dirty="0">
-                <a:solidFill>
-                  <a:schemeClr val="tx1"/>
-                </a:solidFill>
-              </a:rPr>
-              <a:t> '</a:t>
-            </a:r>
-            <a:r>
-              <a:rPr lang="en-US" dirty="0" err="1">
-                <a:solidFill>
-                  <a:schemeClr val="tx1"/>
-                </a:solidFill>
-              </a:rPr>
-              <a:t>min_samples_split</a:t>
-            </a:r>
-            <a:r>
-              <a:rPr lang="en-US" dirty="0">
-                <a:solidFill>
-                  <a:schemeClr val="tx1"/>
-                </a:solidFill>
-              </a:rPr>
-              <a:t>': 9,</a:t>
-            </a:r>
-          </a:p>
-          <a:p>
-            <a:r>
-              <a:rPr lang="en-US" dirty="0">
-                <a:solidFill>
-                  <a:schemeClr val="tx1"/>
-                </a:solidFill>
-              </a:rPr>
-              <a:t> '</a:t>
-            </a:r>
-            <a:r>
-              <a:rPr lang="en-US" dirty="0" err="1">
-                <a:solidFill>
-                  <a:schemeClr val="tx1"/>
-                </a:solidFill>
-              </a:rPr>
-              <a:t>min_samples_leaf</a:t>
-            </a:r>
-            <a:r>
-              <a:rPr lang="en-US" dirty="0">
-                <a:solidFill>
-                  <a:schemeClr val="tx1"/>
-                </a:solidFill>
-              </a:rPr>
-              <a:t>': 3,</a:t>
-            </a:r>
-          </a:p>
-          <a:p>
-            <a:r>
-              <a:rPr lang="en-US" dirty="0">
-                <a:solidFill>
-                  <a:schemeClr val="tx1"/>
-                </a:solidFill>
-              </a:rPr>
-              <a:t> '</a:t>
-            </a:r>
-            <a:r>
-              <a:rPr lang="en-US" dirty="0" err="1">
-                <a:solidFill>
-                  <a:schemeClr val="tx1"/>
-                </a:solidFill>
-              </a:rPr>
-              <a:t>max_features</a:t>
-            </a:r>
-            <a:r>
-              <a:rPr lang="en-US" dirty="0">
-                <a:solidFill>
-                  <a:schemeClr val="tx1"/>
-                </a:solidFill>
-              </a:rPr>
-              <a:t>': '</a:t>
-            </a:r>
-            <a:r>
-              <a:rPr lang="en-US" dirty="0" err="1">
-                <a:solidFill>
-                  <a:schemeClr val="tx1"/>
-                </a:solidFill>
-              </a:rPr>
-              <a:t>sqrt</a:t>
-            </a:r>
-            <a:r>
-              <a:rPr lang="en-US" dirty="0">
-                <a:solidFill>
-                  <a:schemeClr val="tx1"/>
-                </a:solidFill>
-              </a:rPr>
-              <a:t>',</a:t>
-            </a:r>
-          </a:p>
-          <a:p>
-            <a:r>
-              <a:rPr lang="en-US" dirty="0">
-                <a:solidFill>
-                  <a:schemeClr val="tx1"/>
-                </a:solidFill>
-              </a:rPr>
-              <a:t> '</a:t>
-            </a:r>
-            <a:r>
-              <a:rPr lang="en-US" dirty="0" err="1">
-                <a:solidFill>
-                  <a:schemeClr val="tx1"/>
-                </a:solidFill>
-              </a:rPr>
-              <a:t>max_depth</a:t>
-            </a:r>
-            <a:r>
-              <a:rPr lang="en-US" dirty="0">
-                <a:solidFill>
-                  <a:schemeClr val="tx1"/>
-                </a:solidFill>
-              </a:rPr>
-              <a:t>': 30,</a:t>
-            </a:r>
-          </a:p>
-          <a:p>
-            <a:r>
-              <a:rPr lang="en-US" dirty="0">
-                <a:solidFill>
-                  <a:schemeClr val="tx1"/>
-                </a:solidFill>
-              </a:rPr>
-              <a:t> 'criterion': '</a:t>
-            </a:r>
-            <a:r>
-              <a:rPr lang="en-US" dirty="0" err="1">
-                <a:solidFill>
-                  <a:schemeClr val="tx1"/>
-                </a:solidFill>
-              </a:rPr>
-              <a:t>mse</a:t>
-            </a:r>
-            <a:r>
-              <a:rPr lang="en-US" dirty="0">
-                <a:solidFill>
-                  <a:schemeClr val="tx1"/>
-                </a:solidFill>
-              </a:rPr>
-              <a:t>',</a:t>
-            </a:r>
-          </a:p>
-          <a:p>
-            <a:r>
-              <a:rPr lang="en-US" dirty="0">
-                <a:solidFill>
-                  <a:schemeClr val="tx1"/>
-                </a:solidFill>
-              </a:rPr>
-              <a:t> 'bootstrap': False}</a:t>
-            </a:r>
-          </a:p>
-          <a:p>
-            <a:r>
-              <a:rPr lang="en-US" dirty="0" smtClean="0"/>
-              <a:t>’</a:t>
-            </a:r>
-            <a:endParaRPr lang="en-US" dirty="0"/>
-          </a:p>
-        </p:txBody>
-      </p:sp>
-      <p:sp>
-        <p:nvSpPr>
-          <p:cNvPr id="9" name="Rectangle 8"/>
-          <p:cNvSpPr/>
-          <p:nvPr/>
-        </p:nvSpPr>
-        <p:spPr>
-          <a:xfrm>
-            <a:off x="2706205" y="1145637"/>
-            <a:ext cx="2579077" cy="328808"/>
-          </a:xfrm>
-          <a:prstGeom prst="rect">
-            <a:avLst/>
-          </a:prstGeom>
-          <a:solidFill>
-            <a:schemeClr val="tx1">
-              <a:lumMod val="10000"/>
-              <a:lumOff val="90000"/>
-            </a:schemeClr>
-          </a:solidFill>
-        </p:spPr>
-        <p:style>
-          <a:lnRef idx="2">
-            <a:schemeClr val="accent1">
-              <a:shade val="50000"/>
-            </a:schemeClr>
-          </a:lnRef>
-          <a:fillRef idx="1">
-            <a:schemeClr val="accent1"/>
-          </a:fillRef>
-          <a:effectRef idx="0">
-            <a:schemeClr val="accent1"/>
-          </a:effectRef>
-          <a:fontRef idx="minor">
-            <a:schemeClr val="lt1"/>
-          </a:fontRef>
-        </p:style>
-        <p:txBody>
-          <a:bodyPr rtlCol="0" anchor="ctr"/>
-          <a:lstStyle/>
-          <a:p>
-            <a:pPr algn="ctr"/>
-            <a:r>
-              <a:rPr lang="en-US" dirty="0" smtClean="0">
-                <a:solidFill>
-                  <a:srgbClr val="660033"/>
-                </a:solidFill>
-              </a:rPr>
-              <a:t>Train – Test Split: 60:40</a:t>
-            </a:r>
-            <a:endParaRPr lang="en-US" dirty="0">
-              <a:solidFill>
-                <a:srgbClr val="660033"/>
-              </a:solidFill>
-            </a:endParaRPr>
-          </a:p>
-        </p:txBody>
-      </p:sp>
-      <p:sp>
-        <p:nvSpPr>
-          <p:cNvPr id="10" name="Down Arrow 9"/>
-          <p:cNvSpPr/>
-          <p:nvPr/>
-        </p:nvSpPr>
-        <p:spPr>
-          <a:xfrm>
-            <a:off x="3920205" y="1500535"/>
-            <a:ext cx="151075" cy="236683"/>
-          </a:xfrm>
-          <a:prstGeom prst="downArrow">
-            <a:avLst/>
-          </a:prstGeom>
-          <a:solidFill>
-            <a:schemeClr val="tx1"/>
-          </a:solidFill>
-        </p:spPr>
-        <p:style>
-          <a:lnRef idx="2">
-            <a:schemeClr val="accent1">
-              <a:shade val="50000"/>
-            </a:schemeClr>
-          </a:lnRef>
-          <a:fillRef idx="1">
-            <a:schemeClr val="accent1"/>
-          </a:fillRef>
-          <a:effectRef idx="0">
-            <a:schemeClr val="accent1"/>
-          </a:effectRef>
-          <a:fontRef idx="minor">
-            <a:schemeClr val="lt1"/>
-          </a:fontRef>
-        </p:style>
-        <p:txBody>
-          <a:bodyPr rtlCol="0" anchor="ctr"/>
-          <a:lstStyle/>
-          <a:p>
-            <a:pPr algn="ctr"/>
-            <a:endParaRPr lang="en-US"/>
-          </a:p>
-        </p:txBody>
-      </p:sp>
-    </p:spTree>
-    <p:extLst>
-      <p:ext uri="{BB962C8B-B14F-4D97-AF65-F5344CB8AC3E}">
-        <p14:creationId xmlns:p14="http://schemas.microsoft.com/office/powerpoint/2010/main" val="988043900"/>
-      </p:ext>
-    </p:extLst>
-  </p:cSld>
-  <p:clrMapOvr>
-    <a:masterClrMapping/>
-  </p:clrMapOvr>
-  <p:timing>
-    <p:tnLst>
-      <p:par>
-        <p:cTn id="1" dur="indefinite" restart="never" nodeType="tmRoot"/>
-      </p:par>
-    </p:tnLst>
-  </p:timing>
-</p:sld>
-</file>
-
-<file path=ppt/slides/slide16.xml><?xml version="1.0" encoding="utf-8"?>
-<p:sld xmlns:a="http://schemas.openxmlformats.org/drawingml/2006/main" xmlns:r="http://schemas.openxmlformats.org/officeDocument/2006/relationships" xmlns:p="http://schemas.openxmlformats.org/presentationml/2006/main">
-  <p:cSld>
-    <p:spTree>
-      <p:nvGrpSpPr>
-        <p:cNvPr id="1" name=""/>
-        <p:cNvGrpSpPr/>
-        <p:nvPr/>
-      </p:nvGrpSpPr>
-      <p:grpSpPr>
-        <a:xfrm>
-          <a:off x="0" y="0"/>
-          <a:ext cx="0" cy="0"/>
-          <a:chOff x="0" y="0"/>
-          <a:chExt cx="0" cy="0"/>
-        </a:xfrm>
-      </p:grpSpPr>
-      <p:sp>
-        <p:nvSpPr>
-          <p:cNvPr id="2" name="Title 1"/>
-          <p:cNvSpPr>
-            <a:spLocks noGrp="1"/>
-          </p:cNvSpPr>
-          <p:nvPr>
-            <p:ph type="title"/>
-          </p:nvPr>
-        </p:nvSpPr>
-        <p:spPr>
-          <a:xfrm>
             <a:off x="219859" y="180064"/>
             <a:ext cx="4224920" cy="463992"/>
           </a:xfrm>
@@ -12627,7 +9751,7 @@
             </a:pPr>
             <a:fld id="{00000000-1234-1234-1234-123412341234}" type="slidenum">
               <a:rPr lang="en" smtClean="0"/>
-              <a:t>16</a:t>
+              <a:t>13</a:t>
             </a:fld>
             <a:endParaRPr lang="en"/>
           </a:p>
@@ -12966,7 +10090,7 @@
 </p:sld>
 </file>
 
-<file path=ppt/slides/slide17.xml><?xml version="1.0" encoding="utf-8"?>
+<file path=ppt/slides/slide14.xml><?xml version="1.0" encoding="utf-8"?>
 <p:sld xmlns:a="http://schemas.openxmlformats.org/drawingml/2006/main" xmlns:r="http://schemas.openxmlformats.org/officeDocument/2006/relationships" xmlns:p="http://schemas.openxmlformats.org/presentationml/2006/main">
   <p:cSld>
     <p:spTree>
@@ -13053,7 +10177,7 @@
             </a:pPr>
             <a:fld id="{00000000-1234-1234-1234-123412341234}" type="slidenum">
               <a:rPr lang="en" smtClean="0"/>
-              <a:t>17</a:t>
+              <a:t>14</a:t>
             </a:fld>
             <a:endParaRPr lang="en"/>
           </a:p>
@@ -13477,428 +10601,7 @@
 </p:sld>
 </file>
 
-<file path=ppt/slides/slide18.xml><?xml version="1.0" encoding="utf-8"?>
-<p:sld xmlns:a="http://schemas.openxmlformats.org/drawingml/2006/main" xmlns:r="http://schemas.openxmlformats.org/officeDocument/2006/relationships" xmlns:p="http://schemas.openxmlformats.org/presentationml/2006/main">
-  <p:cSld>
-    <p:spTree>
-      <p:nvGrpSpPr>
-        <p:cNvPr id="1" name=""/>
-        <p:cNvGrpSpPr/>
-        <p:nvPr/>
-      </p:nvGrpSpPr>
-      <p:grpSpPr>
-        <a:xfrm>
-          <a:off x="0" y="0"/>
-          <a:ext cx="0" cy="0"/>
-          <a:chOff x="0" y="0"/>
-          <a:chExt cx="0" cy="0"/>
-        </a:xfrm>
-      </p:grpSpPr>
-      <p:sp>
-        <p:nvSpPr>
-          <p:cNvPr id="2" name="Title 1"/>
-          <p:cNvSpPr>
-            <a:spLocks noGrp="1"/>
-          </p:cNvSpPr>
-          <p:nvPr>
-            <p:ph type="title"/>
-          </p:nvPr>
-        </p:nvSpPr>
-        <p:spPr>
-          <a:xfrm>
-            <a:off x="275518" y="156210"/>
-            <a:ext cx="5894694" cy="543505"/>
-          </a:xfrm>
-        </p:spPr>
-        <p:txBody>
-          <a:bodyPr/>
-          <a:lstStyle/>
-          <a:p>
-            <a:r>
-              <a:rPr lang="en-US" sz="2400" b="0" dirty="0" smtClean="0">
-                <a:solidFill>
-                  <a:srgbClr val="660033"/>
-                </a:solidFill>
-              </a:rPr>
-              <a:t>Model Comparison Regression</a:t>
-            </a:r>
-            <a:endParaRPr lang="en-US" sz="2400" b="0" dirty="0">
-              <a:solidFill>
-                <a:srgbClr val="660033"/>
-              </a:solidFill>
-            </a:endParaRPr>
-          </a:p>
-        </p:txBody>
-      </p:sp>
-      <p:sp>
-        <p:nvSpPr>
-          <p:cNvPr id="4" name="Slide Number Placeholder 3"/>
-          <p:cNvSpPr>
-            <a:spLocks noGrp="1"/>
-          </p:cNvSpPr>
-          <p:nvPr>
-            <p:ph type="sldNum" idx="12"/>
-          </p:nvPr>
-        </p:nvSpPr>
-        <p:spPr/>
-        <p:txBody>
-          <a:bodyPr/>
-          <a:lstStyle/>
-          <a:p>
-            <a:pPr marL="0" lvl="0" indent="0" algn="ctr" rtl="0">
-              <a:spcBef>
-                <a:spcPts val="0"/>
-              </a:spcBef>
-              <a:spcAft>
-                <a:spcPts val="0"/>
-              </a:spcAft>
-              <a:buNone/>
-            </a:pPr>
-            <a:fld id="{00000000-1234-1234-1234-123412341234}" type="slidenum">
-              <a:rPr lang="en" smtClean="0"/>
-              <a:t>18</a:t>
-            </a:fld>
-            <a:endParaRPr lang="en"/>
-          </a:p>
-        </p:txBody>
-      </p:sp>
-      <p:sp>
-        <p:nvSpPr>
-          <p:cNvPr id="6" name="Rounded Rectangle 5"/>
-          <p:cNvSpPr/>
-          <p:nvPr/>
-        </p:nvSpPr>
-        <p:spPr>
-          <a:xfrm>
-            <a:off x="198782" y="1733883"/>
-            <a:ext cx="5653378" cy="373711"/>
-          </a:xfrm>
-          <a:prstGeom prst="roundRect">
-            <a:avLst/>
-          </a:prstGeom>
-        </p:spPr>
-        <p:style>
-          <a:lnRef idx="2">
-            <a:schemeClr val="accent1">
-              <a:shade val="50000"/>
-            </a:schemeClr>
-          </a:lnRef>
-          <a:fillRef idx="1">
-            <a:schemeClr val="accent1"/>
-          </a:fillRef>
-          <a:effectRef idx="0">
-            <a:schemeClr val="accent1"/>
-          </a:effectRef>
-          <a:fontRef idx="minor">
-            <a:schemeClr val="lt1"/>
-          </a:fontRef>
-        </p:style>
-        <p:txBody>
-          <a:bodyPr rtlCol="0" anchor="ctr"/>
-          <a:lstStyle/>
-          <a:p>
-            <a:pPr algn="ctr"/>
-            <a:r>
-              <a:rPr lang="en-US" dirty="0" smtClean="0">
-                <a:solidFill>
-                  <a:srgbClr val="660033"/>
-                </a:solidFill>
-              </a:rPr>
-              <a:t>Random Forest with Hyper Parameter Tuning Provides Best Results </a:t>
-            </a:r>
-            <a:endParaRPr lang="en-US" dirty="0">
-              <a:solidFill>
-                <a:srgbClr val="660033"/>
-              </a:solidFill>
-            </a:endParaRPr>
-          </a:p>
-        </p:txBody>
-      </p:sp>
-      <p:sp>
-        <p:nvSpPr>
-          <p:cNvPr id="7" name="Right Arrow 6"/>
-          <p:cNvSpPr/>
-          <p:nvPr/>
-        </p:nvSpPr>
-        <p:spPr>
-          <a:xfrm>
-            <a:off x="5868064" y="1717981"/>
-            <a:ext cx="1272208" cy="389614"/>
-          </a:xfrm>
-          <a:prstGeom prst="rightArrow">
-            <a:avLst/>
-          </a:prstGeom>
-        </p:spPr>
-        <p:style>
-          <a:lnRef idx="2">
-            <a:schemeClr val="accent1">
-              <a:shade val="50000"/>
-            </a:schemeClr>
-          </a:lnRef>
-          <a:fillRef idx="1">
-            <a:schemeClr val="accent1"/>
-          </a:fillRef>
-          <a:effectRef idx="0">
-            <a:schemeClr val="accent1"/>
-          </a:effectRef>
-          <a:fontRef idx="minor">
-            <a:schemeClr val="lt1"/>
-          </a:fontRef>
-        </p:style>
-        <p:txBody>
-          <a:bodyPr rtlCol="0" anchor="ctr"/>
-          <a:lstStyle/>
-          <a:p>
-            <a:pPr algn="ctr"/>
-            <a:endParaRPr lang="en-US"/>
-          </a:p>
-        </p:txBody>
-      </p:sp>
-      <p:sp>
-        <p:nvSpPr>
-          <p:cNvPr id="8" name="Flowchart: Connector 7"/>
-          <p:cNvSpPr/>
-          <p:nvPr/>
-        </p:nvSpPr>
-        <p:spPr>
-          <a:xfrm>
-            <a:off x="7140272" y="1181268"/>
-            <a:ext cx="1463040" cy="1463040"/>
-          </a:xfrm>
-          <a:prstGeom prst="flowChartConnector">
-            <a:avLst/>
-          </a:prstGeom>
-          <a:solidFill>
-            <a:schemeClr val="accent4">
-              <a:lumMod val="20000"/>
-              <a:lumOff val="80000"/>
-            </a:schemeClr>
-          </a:solidFill>
-        </p:spPr>
-        <p:style>
-          <a:lnRef idx="2">
-            <a:schemeClr val="accent1">
-              <a:shade val="50000"/>
-            </a:schemeClr>
-          </a:lnRef>
-          <a:fillRef idx="1">
-            <a:schemeClr val="accent1"/>
-          </a:fillRef>
-          <a:effectRef idx="0">
-            <a:schemeClr val="accent1"/>
-          </a:effectRef>
-          <a:fontRef idx="minor">
-            <a:schemeClr val="lt1"/>
-          </a:fontRef>
-        </p:style>
-        <p:txBody>
-          <a:bodyPr rtlCol="0" anchor="ctr"/>
-          <a:lstStyle/>
-          <a:p>
-            <a:pPr algn="ctr"/>
-            <a:r>
-              <a:rPr lang="en-US" sz="1200" dirty="0" smtClean="0">
-                <a:solidFill>
-                  <a:srgbClr val="002060"/>
-                </a:solidFill>
-              </a:rPr>
-              <a:t>Random Forest Regressor</a:t>
-            </a:r>
-            <a:endParaRPr lang="en-US" sz="1200" dirty="0">
-              <a:solidFill>
-                <a:srgbClr val="002060"/>
-              </a:solidFill>
-            </a:endParaRPr>
-          </a:p>
-        </p:txBody>
-      </p:sp>
-      <p:sp>
-        <p:nvSpPr>
-          <p:cNvPr id="9" name="TextBox 8"/>
-          <p:cNvSpPr txBox="1"/>
-          <p:nvPr/>
-        </p:nvSpPr>
-        <p:spPr>
-          <a:xfrm>
-            <a:off x="6591632" y="860317"/>
-            <a:ext cx="2790907" cy="307777"/>
-          </a:xfrm>
-          <a:prstGeom prst="rect">
-            <a:avLst/>
-          </a:prstGeom>
-          <a:noFill/>
-        </p:spPr>
-        <p:txBody>
-          <a:bodyPr wrap="square" rtlCol="0">
-            <a:spAutoFit/>
-          </a:bodyPr>
-          <a:lstStyle/>
-          <a:p>
-            <a:r>
-              <a:rPr lang="en-US" dirty="0" smtClean="0"/>
-              <a:t>Selected Regression Model</a:t>
-            </a:r>
-            <a:endParaRPr lang="en-US" dirty="0"/>
-          </a:p>
-        </p:txBody>
-      </p:sp>
-      <p:sp>
-        <p:nvSpPr>
-          <p:cNvPr id="10" name="TextBox 9"/>
-          <p:cNvSpPr txBox="1"/>
-          <p:nvPr/>
-        </p:nvSpPr>
-        <p:spPr>
-          <a:xfrm>
-            <a:off x="198782" y="2585173"/>
-            <a:ext cx="6488265" cy="1877437"/>
-          </a:xfrm>
-          <a:prstGeom prst="rect">
-            <a:avLst/>
-          </a:prstGeom>
-          <a:solidFill>
-            <a:schemeClr val="tx1">
-              <a:lumMod val="10000"/>
-              <a:lumOff val="90000"/>
-            </a:schemeClr>
-          </a:solidFill>
-          <a:ln>
-            <a:solidFill>
-              <a:schemeClr val="accent1">
-                <a:shade val="50000"/>
-              </a:schemeClr>
-            </a:solidFill>
-          </a:ln>
-        </p:spPr>
-        <p:txBody>
-          <a:bodyPr wrap="square" rtlCol="0">
-            <a:spAutoFit/>
-          </a:bodyPr>
-          <a:lstStyle/>
-          <a:p>
-            <a:r>
-              <a:rPr lang="en-US" sz="2000" dirty="0" smtClean="0">
-                <a:solidFill>
-                  <a:srgbClr val="660033"/>
-                </a:solidFill>
-              </a:rPr>
-              <a:t>Observations</a:t>
-            </a:r>
-          </a:p>
-          <a:p>
-            <a:pPr marL="285750" lvl="1" indent="-285750">
-              <a:buFont typeface="Arial" panose="020B0604020202020204" pitchFamily="34" charset="0"/>
-              <a:buChar char="•"/>
-            </a:pPr>
-            <a:r>
-              <a:rPr lang="en-US" sz="1600" dirty="0" smtClean="0">
-                <a:solidFill>
-                  <a:srgbClr val="660033"/>
-                </a:solidFill>
-              </a:rPr>
-              <a:t>Random Forest Regressor </a:t>
-            </a:r>
-            <a:r>
-              <a:rPr lang="en-US" sz="1600" dirty="0" smtClean="0"/>
-              <a:t>with Hyper parameter </a:t>
-            </a:r>
-            <a:r>
-              <a:rPr lang="en-US" sz="1600" dirty="0" smtClean="0">
-                <a:solidFill>
-                  <a:srgbClr val="660033"/>
-                </a:solidFill>
-              </a:rPr>
-              <a:t>Tuning </a:t>
-            </a:r>
-            <a:r>
-              <a:rPr lang="en-US" sz="1600" dirty="0" smtClean="0"/>
-              <a:t>gives best results</a:t>
-            </a:r>
-          </a:p>
-          <a:p>
-            <a:pPr marL="285750" lvl="1" indent="-285750">
-              <a:buFont typeface="Arial" panose="020B0604020202020204" pitchFamily="34" charset="0"/>
-              <a:buChar char="•"/>
-            </a:pPr>
-            <a:r>
-              <a:rPr lang="en-US" sz="1600" dirty="0" smtClean="0"/>
-              <a:t>All models accuracy </a:t>
-            </a:r>
-            <a:r>
-              <a:rPr lang="en-US" sz="1600" dirty="0" smtClean="0">
-                <a:solidFill>
-                  <a:srgbClr val="660033"/>
-                </a:solidFill>
-              </a:rPr>
-              <a:t>reduces with PCA</a:t>
-            </a:r>
-          </a:p>
-          <a:p>
-            <a:pPr marL="285750" lvl="1" indent="-285750">
-              <a:buFont typeface="Arial" panose="020B0604020202020204" pitchFamily="34" charset="0"/>
-              <a:buChar char="•"/>
-            </a:pPr>
-            <a:r>
-              <a:rPr lang="en-US" sz="1600" dirty="0" smtClean="0">
-                <a:solidFill>
-                  <a:srgbClr val="660033"/>
-                </a:solidFill>
-              </a:rPr>
-              <a:t>No Major improvement </a:t>
-            </a:r>
-            <a:r>
-              <a:rPr lang="en-US" sz="1600" dirty="0" smtClean="0"/>
-              <a:t>observed over Linear Regression</a:t>
-            </a:r>
-          </a:p>
-          <a:p>
-            <a:pPr marL="285750" lvl="1" indent="-285750">
-              <a:buFont typeface="Arial" panose="020B0604020202020204" pitchFamily="34" charset="0"/>
-              <a:buChar char="•"/>
-            </a:pPr>
-            <a:r>
-              <a:rPr lang="en-US" sz="1600" dirty="0" smtClean="0"/>
-              <a:t>Best results obtained with </a:t>
-            </a:r>
-            <a:r>
-              <a:rPr lang="en-US" sz="1600" dirty="0" smtClean="0">
-                <a:solidFill>
-                  <a:srgbClr val="660033"/>
-                </a:solidFill>
-              </a:rPr>
-              <a:t>60-40 Train Test Split</a:t>
-            </a:r>
-          </a:p>
-          <a:p>
-            <a:pPr marL="285750" lvl="1" indent="-285750">
-              <a:buFont typeface="Arial" panose="020B0604020202020204" pitchFamily="34" charset="0"/>
-              <a:buChar char="•"/>
-            </a:pPr>
-            <a:endParaRPr lang="en-US" sz="1600" dirty="0" smtClean="0"/>
-          </a:p>
-        </p:txBody>
-      </p:sp>
-    </p:spTree>
-    <p:extLst>
-      <p:ext uri="{BB962C8B-B14F-4D97-AF65-F5344CB8AC3E}">
-        <p14:creationId xmlns:p14="http://schemas.microsoft.com/office/powerpoint/2010/main" val="374128678"/>
-      </p:ext>
-    </p:extLst>
-  </p:cSld>
-  <p:clrMapOvr>
-    <a:masterClrMapping/>
-  </p:clrMapOvr>
-  <p:timing>
-    <p:tnLst>
-      <p:par>
-        <p:cTn id="1" dur="indefinite" restart="never" nodeType="tmRoot"/>
-      </p:par>
-    </p:tnLst>
-  </p:timing>
-</p:sld>
-</file>
-
-<file path=ppt/slides/slide19.xml><?xml version="1.0" encoding="utf-8"?>
+<file path=ppt/slides/slide15.xml><?xml version="1.0" encoding="utf-8"?>
 <p:sld xmlns:a="http://schemas.openxmlformats.org/drawingml/2006/main" xmlns:r="http://schemas.openxmlformats.org/officeDocument/2006/relationships" xmlns:p="http://schemas.openxmlformats.org/presentationml/2006/main">
   <p:cSld>
     <p:spTree>
@@ -13948,155 +10651,6 @@
       </p:sp>
       <p:sp>
         <p:nvSpPr>
-          <p:cNvPr id="3" name="Text Placeholder 2"/>
-          <p:cNvSpPr>
-            <a:spLocks noGrp="1"/>
-          </p:cNvSpPr>
-          <p:nvPr>
-            <p:ph type="body" idx="1"/>
-          </p:nvPr>
-        </p:nvSpPr>
-        <p:spPr>
-          <a:xfrm>
-            <a:off x="490700" y="1263118"/>
-            <a:ext cx="7591200" cy="2932500"/>
-          </a:xfrm>
-        </p:spPr>
-        <p:txBody>
-          <a:bodyPr/>
-          <a:lstStyle/>
-          <a:p>
-            <a:r>
-              <a:rPr lang="en-US" dirty="0" smtClean="0">
-                <a:solidFill>
-                  <a:srgbClr val="660033"/>
-                </a:solidFill>
-              </a:rPr>
-              <a:t>Regression </a:t>
-            </a:r>
-            <a:r>
-              <a:rPr lang="en-US" dirty="0" smtClean="0"/>
-              <a:t>Models </a:t>
-            </a:r>
-            <a:r>
-              <a:rPr lang="en-US" dirty="0" smtClean="0">
-                <a:solidFill>
-                  <a:srgbClr val="660033"/>
-                </a:solidFill>
-              </a:rPr>
-              <a:t>perform faster </a:t>
-            </a:r>
-            <a:r>
-              <a:rPr lang="en-US" dirty="0" smtClean="0"/>
-              <a:t>that Classification</a:t>
-            </a:r>
-          </a:p>
-          <a:p>
-            <a:r>
-              <a:rPr lang="en-US" dirty="0" smtClean="0">
-                <a:solidFill>
-                  <a:srgbClr val="660033"/>
-                </a:solidFill>
-              </a:rPr>
-              <a:t>MAE for Random </a:t>
-            </a:r>
-            <a:r>
-              <a:rPr lang="en-US" dirty="0" smtClean="0"/>
-              <a:t>Forest Regressor </a:t>
-            </a:r>
-            <a:r>
-              <a:rPr lang="en-US" dirty="0" smtClean="0">
-                <a:solidFill>
-                  <a:srgbClr val="660033"/>
-                </a:solidFill>
-              </a:rPr>
-              <a:t>is 1.52</a:t>
-            </a:r>
-          </a:p>
-          <a:p>
-            <a:r>
-              <a:rPr lang="en-US" dirty="0" smtClean="0"/>
-              <a:t>This means the </a:t>
-            </a:r>
-            <a:r>
-              <a:rPr lang="en-US" dirty="0" smtClean="0">
-                <a:solidFill>
-                  <a:srgbClr val="660033"/>
-                </a:solidFill>
-              </a:rPr>
-              <a:t>risk prediction </a:t>
-            </a:r>
-            <a:r>
-              <a:rPr lang="en-US" dirty="0" smtClean="0"/>
-              <a:t>will be within difference </a:t>
-            </a:r>
-            <a:r>
-              <a:rPr lang="en-US" dirty="0" smtClean="0">
-                <a:solidFill>
-                  <a:srgbClr val="660033"/>
-                </a:solidFill>
-              </a:rPr>
-              <a:t>of 2</a:t>
-            </a:r>
-            <a:r>
-              <a:rPr lang="en-US" dirty="0" smtClean="0"/>
-              <a:t> with actual risk value in case of </a:t>
-            </a:r>
-            <a:r>
-              <a:rPr lang="en-US" dirty="0" smtClean="0">
-                <a:solidFill>
-                  <a:srgbClr val="660033"/>
-                </a:solidFill>
-              </a:rPr>
-              <a:t>regression</a:t>
-            </a:r>
-            <a:r>
-              <a:rPr lang="en-US" dirty="0" smtClean="0"/>
-              <a:t>.</a:t>
-            </a:r>
-          </a:p>
-          <a:p>
-            <a:r>
-              <a:rPr lang="en-US" dirty="0" smtClean="0"/>
-              <a:t>In classification we </a:t>
-            </a:r>
-            <a:r>
-              <a:rPr lang="en-US" dirty="0" smtClean="0">
-                <a:solidFill>
-                  <a:srgbClr val="660033"/>
-                </a:solidFill>
-              </a:rPr>
-              <a:t>can’t see </a:t>
-            </a:r>
-            <a:r>
-              <a:rPr lang="en-US" dirty="0" smtClean="0"/>
-              <a:t>how much </a:t>
-            </a:r>
-            <a:r>
-              <a:rPr lang="en-US" dirty="0" smtClean="0">
-                <a:solidFill>
-                  <a:srgbClr val="660033"/>
-                </a:solidFill>
-              </a:rPr>
-              <a:t>difference</a:t>
-            </a:r>
-            <a:r>
-              <a:rPr lang="en-US" dirty="0" smtClean="0"/>
-              <a:t> would be in </a:t>
-            </a:r>
-            <a:r>
-              <a:rPr lang="en-US" dirty="0" smtClean="0">
-                <a:solidFill>
-                  <a:srgbClr val="660033"/>
-                </a:solidFill>
-              </a:rPr>
-              <a:t>Risk Value and accuracy is lower</a:t>
-            </a:r>
-          </a:p>
-        </p:txBody>
-      </p:sp>
-      <p:sp>
-        <p:nvSpPr>
           <p:cNvPr id="4" name="Slide Number Placeholder 3"/>
           <p:cNvSpPr>
             <a:spLocks noGrp="1"/>
@@ -14121,7 +10675,7 @@
             </a:pPr>
             <a:fld id="{00000000-1234-1234-1234-123412341234}" type="slidenum">
               <a:rPr lang="en" smtClean="0"/>
-              <a:t>19</a:t>
+              <a:t>15</a:t>
             </a:fld>
             <a:endParaRPr lang="en"/>
           </a:p>
@@ -14135,7 +10689,7 @@
         </p:nvSpPr>
         <p:spPr>
           <a:xfrm>
-            <a:off x="555170" y="3959679"/>
+            <a:off x="570801" y="1919864"/>
             <a:ext cx="7788729" cy="979714"/>
           </a:xfrm>
           <a:prstGeom prst="rect">
@@ -14185,7 +10739,15 @@
                   <a:srgbClr val="660033"/>
                 </a:solidFill>
               </a:rPr>
-              <a:t>‘Random Forest Regressor’ </a:t>
+              <a:t>‘Random Forest </a:t>
+            </a:r>
+            <a:r>
+              <a:rPr lang="en-US" sz="1800" b="1" dirty="0" smtClean="0">
+                <a:solidFill>
+                  <a:srgbClr val="660033"/>
+                </a:solidFill>
+              </a:rPr>
+              <a:t>Classification’ </a:t>
             </a:r>
             <a:r>
               <a:rPr lang="en-US" sz="1800" dirty="0" smtClean="0">
@@ -15585,41 +12147,6 @@
           </a:p>
         </p:txBody>
       </p:sp>
-      <p:cxnSp>
-        <p:nvCxnSpPr>
-          <p:cNvPr id="7" name="Straight Connector 6"/>
-          <p:cNvCxnSpPr/>
-          <p:nvPr/>
-        </p:nvCxnSpPr>
-        <p:spPr>
-          <a:xfrm flipH="1">
-            <a:off x="4548146" y="584662"/>
-            <a:ext cx="15903" cy="4408760"/>
-          </a:xfrm>
-          <a:prstGeom prst="line">
-            <a:avLst/>
-          </a:prstGeom>
-          <a:ln>
-            <a:solidFill>
-              <a:srgbClr val="FF0000"/>
-            </a:solidFill>
-          </a:ln>
-        </p:spPr>
-        <p:style>
-          <a:lnRef idx="1">
-            <a:schemeClr val="accent1"/>
-          </a:lnRef>
-          <a:fillRef idx="0">
-            <a:schemeClr val="accent1"/>
-          </a:fillRef>
-          <a:effectRef idx="0">
-            <a:schemeClr val="accent1"/>
-          </a:effectRef>
-          <a:fontRef idx="minor">
-            <a:schemeClr val="tx1"/>
-          </a:fontRef>
-        </p:style>
-      </p:cxnSp>
       <p:sp>
         <p:nvSpPr>
           <p:cNvPr id="8" name="Rectangle 7"/>
@@ -15628,7 +12155,7 @@
         </p:nvSpPr>
         <p:spPr>
           <a:xfrm>
-            <a:off x="516835" y="1137037"/>
+            <a:off x="2642620" y="1246452"/>
             <a:ext cx="2862469" cy="580445"/>
           </a:xfrm>
           <a:prstGeom prst="rect">
@@ -15679,65 +12206,13 @@
       </p:sp>
       <p:sp>
         <p:nvSpPr>
-          <p:cNvPr id="9" name="Rectangle 8"/>
-          <p:cNvSpPr/>
-          <p:nvPr/>
-        </p:nvSpPr>
-        <p:spPr>
-          <a:xfrm>
-            <a:off x="5527477" y="1137036"/>
-            <a:ext cx="2862469" cy="580445"/>
-          </a:xfrm>
-          <a:prstGeom prst="rect">
-            <a:avLst/>
-          </a:prstGeom>
-          <a:solidFill>
-            <a:schemeClr val="bg1">
-              <a:lumMod val="85000"/>
-            </a:schemeClr>
-          </a:solidFill>
-        </p:spPr>
-        <p:style>
-          <a:lnRef idx="2">
-            <a:schemeClr val="accent1">
-              <a:shade val="50000"/>
-            </a:schemeClr>
-          </a:lnRef>
-          <a:fillRef idx="1">
-            <a:schemeClr val="accent1"/>
-          </a:fillRef>
-          <a:effectRef idx="0">
-            <a:schemeClr val="accent1"/>
-          </a:effectRef>
-          <a:fontRef idx="minor">
-            <a:schemeClr val="lt1"/>
-          </a:fontRef>
-        </p:style>
-        <p:txBody>
-          <a:bodyPr rtlCol="0" anchor="ctr"/>
-          <a:lstStyle/>
-          <a:p>
-            <a:pPr algn="ctr"/>
-            <a:r>
-              <a:rPr lang="en-US" b="1" dirty="0">
-                <a:solidFill>
-                  <a:schemeClr val="tx1"/>
-                </a:solidFill>
-              </a:rPr>
-              <a:t>Regression</a:t>
-            </a:r>
-          </a:p>
-        </p:txBody>
-      </p:sp>
-      <p:sp>
-        <p:nvSpPr>
           <p:cNvPr id="10" name="Flowchart: Connector 9"/>
           <p:cNvSpPr/>
           <p:nvPr/>
         </p:nvSpPr>
         <p:spPr>
           <a:xfrm>
-            <a:off x="327136" y="2274067"/>
+            <a:off x="2452921" y="2383482"/>
             <a:ext cx="1193649" cy="1197864"/>
           </a:xfrm>
           <a:prstGeom prst="flowChartConnector">
@@ -15784,7 +12259,7 @@
         </p:nvSpPr>
         <p:spPr>
           <a:xfrm>
-            <a:off x="2570356" y="2274067"/>
+            <a:off x="4696141" y="2383482"/>
             <a:ext cx="1143000" cy="1144995"/>
           </a:xfrm>
           <a:prstGeom prst="flowChartConnector">
@@ -15836,7 +12311,7 @@
         </p:nvCxnSpPr>
         <p:spPr>
           <a:xfrm flipH="1">
-            <a:off x="923961" y="1717482"/>
+            <a:off x="3049746" y="1826897"/>
             <a:ext cx="1024109" cy="556585"/>
           </a:xfrm>
           <a:prstGeom prst="straightConnector1">
@@ -15871,7 +12346,7 @@
         </p:nvCxnSpPr>
         <p:spPr>
           <a:xfrm>
-            <a:off x="1948070" y="1717482"/>
+            <a:off x="4073855" y="1826897"/>
             <a:ext cx="1108733" cy="556586"/>
           </a:xfrm>
           <a:prstGeom prst="straightConnector1">
@@ -15904,7 +12379,7 @@
         </p:nvSpPr>
         <p:spPr>
           <a:xfrm>
-            <a:off x="180046" y="3951795"/>
+            <a:off x="2305831" y="4061210"/>
             <a:ext cx="1456983" cy="532738"/>
           </a:xfrm>
           <a:prstGeom prst="rect">
@@ -15961,7 +12436,7 @@
         </p:nvSpPr>
         <p:spPr>
           <a:xfrm>
-            <a:off x="2111198" y="3975647"/>
+            <a:off x="4236983" y="4085062"/>
             <a:ext cx="2033449" cy="532738"/>
           </a:xfrm>
           <a:prstGeom prst="rect">
@@ -16019,7 +12494,7 @@
         </p:nvSpPr>
         <p:spPr>
           <a:xfrm flipH="1">
-            <a:off x="817096" y="3471930"/>
+            <a:off x="2942881" y="3581345"/>
             <a:ext cx="152963" cy="479863"/>
           </a:xfrm>
           <a:prstGeom prst="downArrow">
@@ -16064,7 +12539,7 @@
         </p:nvSpPr>
         <p:spPr>
           <a:xfrm>
-            <a:off x="3029976" y="3419062"/>
+            <a:off x="5155761" y="3528477"/>
             <a:ext cx="175546" cy="556585"/>
           </a:xfrm>
           <a:prstGeom prst="downArrow">
@@ -16098,485 +12573,6 @@
           <a:p>
             <a:pPr algn="ctr"/>
             <a:endParaRPr lang="en-US"/>
-          </a:p>
-        </p:txBody>
-      </p:sp>
-      <p:sp>
-        <p:nvSpPr>
-          <p:cNvPr id="22" name="Flowchart: Connector 21"/>
-          <p:cNvSpPr/>
-          <p:nvPr/>
-        </p:nvSpPr>
-        <p:spPr>
-          <a:xfrm>
-            <a:off x="5032227" y="2329724"/>
-            <a:ext cx="1143000" cy="1143000"/>
-          </a:xfrm>
-          <a:prstGeom prst="flowChartConnector">
-            <a:avLst/>
-          </a:prstGeom>
-          <a:solidFill>
-            <a:schemeClr val="accent2">
-              <a:lumMod val="20000"/>
-              <a:lumOff val="80000"/>
-            </a:schemeClr>
-          </a:solidFill>
-        </p:spPr>
-        <p:style>
-          <a:lnRef idx="2">
-            <a:schemeClr val="accent1">
-              <a:shade val="50000"/>
-            </a:schemeClr>
-          </a:lnRef>
-          <a:fillRef idx="1">
-            <a:schemeClr val="accent1"/>
-          </a:fillRef>
-          <a:effectRef idx="0">
-            <a:schemeClr val="accent1"/>
-          </a:effectRef>
-          <a:fontRef idx="minor">
-            <a:schemeClr val="lt1"/>
-          </a:fontRef>
-        </p:style>
-        <p:txBody>
-          <a:bodyPr rtlCol="0" anchor="ctr"/>
-          <a:lstStyle/>
-          <a:p>
-            <a:pPr algn="ctr"/>
-            <a:r>
-              <a:rPr lang="en-US" sz="1100" dirty="0" smtClean="0">
-                <a:solidFill>
-                  <a:schemeClr val="tx1"/>
-                </a:solidFill>
-              </a:rPr>
-              <a:t>Linear Regression</a:t>
-            </a:r>
-            <a:endParaRPr lang="en-US" sz="1100" dirty="0">
-              <a:solidFill>
-                <a:schemeClr val="tx1"/>
-              </a:solidFill>
-            </a:endParaRPr>
-          </a:p>
-        </p:txBody>
-      </p:sp>
-      <p:sp>
-        <p:nvSpPr>
-          <p:cNvPr id="23" name="Flowchart: Connector 22"/>
-          <p:cNvSpPr/>
-          <p:nvPr/>
-        </p:nvSpPr>
-        <p:spPr>
-          <a:xfrm>
-            <a:off x="6356620" y="2329724"/>
-            <a:ext cx="1280160" cy="1280160"/>
-          </a:xfrm>
-          <a:prstGeom prst="flowChartConnector">
-            <a:avLst/>
-          </a:prstGeom>
-          <a:solidFill>
-            <a:schemeClr val="accent4">
-              <a:lumMod val="40000"/>
-              <a:lumOff val="60000"/>
-            </a:schemeClr>
-          </a:solidFill>
-        </p:spPr>
-        <p:style>
-          <a:lnRef idx="2">
-            <a:schemeClr val="accent1">
-              <a:shade val="50000"/>
-            </a:schemeClr>
-          </a:lnRef>
-          <a:fillRef idx="1">
-            <a:schemeClr val="accent1"/>
-          </a:fillRef>
-          <a:effectRef idx="0">
-            <a:schemeClr val="accent1"/>
-          </a:effectRef>
-          <a:fontRef idx="minor">
-            <a:schemeClr val="lt1"/>
-          </a:fontRef>
-        </p:style>
-        <p:txBody>
-          <a:bodyPr rtlCol="0" anchor="ctr"/>
-          <a:lstStyle/>
-          <a:p>
-            <a:pPr algn="ctr"/>
-            <a:r>
-              <a:rPr lang="en-US" sz="1100" dirty="0">
-                <a:solidFill>
-                  <a:schemeClr val="tx1"/>
-                </a:solidFill>
-              </a:rPr>
-              <a:t>Decision Tree Regressor</a:t>
-            </a:r>
-          </a:p>
-        </p:txBody>
-      </p:sp>
-      <p:cxnSp>
-        <p:nvCxnSpPr>
-          <p:cNvPr id="25" name="Straight Arrow Connector 24"/>
-          <p:cNvCxnSpPr>
-            <a:stCxn id="9" idx="2"/>
-            <a:endCxn id="22" idx="0"/>
-          </p:cNvCxnSpPr>
-          <p:nvPr/>
-        </p:nvCxnSpPr>
-        <p:spPr>
-          <a:xfrm flipH="1">
-            <a:off x="5603727" y="1717481"/>
-            <a:ext cx="1354985" cy="612243"/>
-          </a:xfrm>
-          <a:prstGeom prst="straightConnector1">
-            <a:avLst/>
-          </a:prstGeom>
-          <a:ln>
-            <a:tailEnd type="triangle"/>
-          </a:ln>
-        </p:spPr>
-        <p:style>
-          <a:lnRef idx="1">
-            <a:schemeClr val="accent1"/>
-          </a:lnRef>
-          <a:fillRef idx="0">
-            <a:schemeClr val="accent1"/>
-          </a:fillRef>
-          <a:effectRef idx="0">
-            <a:schemeClr val="accent1"/>
-          </a:effectRef>
-          <a:fontRef idx="minor">
-            <a:schemeClr val="tx1"/>
-          </a:fontRef>
-        </p:style>
-      </p:cxnSp>
-      <p:cxnSp>
-        <p:nvCxnSpPr>
-          <p:cNvPr id="27" name="Straight Arrow Connector 26"/>
-          <p:cNvCxnSpPr>
-            <a:stCxn id="9" idx="2"/>
-            <a:endCxn id="23" idx="0"/>
-          </p:cNvCxnSpPr>
-          <p:nvPr/>
-        </p:nvCxnSpPr>
-        <p:spPr>
-          <a:xfrm>
-            <a:off x="6958712" y="1717481"/>
-            <a:ext cx="37988" cy="612243"/>
-          </a:xfrm>
-          <a:prstGeom prst="straightConnector1">
-            <a:avLst/>
-          </a:prstGeom>
-          <a:ln>
-            <a:tailEnd type="triangle"/>
-          </a:ln>
-        </p:spPr>
-        <p:style>
-          <a:lnRef idx="1">
-            <a:schemeClr val="accent1"/>
-          </a:lnRef>
-          <a:fillRef idx="0">
-            <a:schemeClr val="accent1"/>
-          </a:fillRef>
-          <a:effectRef idx="0">
-            <a:schemeClr val="accent1"/>
-          </a:effectRef>
-          <a:fontRef idx="minor">
-            <a:schemeClr val="tx1"/>
-          </a:fontRef>
-        </p:style>
-      </p:cxnSp>
-      <p:sp>
-        <p:nvSpPr>
-          <p:cNvPr id="28" name="Rectangle 27"/>
-          <p:cNvSpPr/>
-          <p:nvPr/>
-        </p:nvSpPr>
-        <p:spPr>
-          <a:xfrm>
-            <a:off x="4866401" y="4217239"/>
-            <a:ext cx="1456983" cy="532738"/>
-          </a:xfrm>
-          <a:prstGeom prst="rect">
-            <a:avLst/>
-          </a:prstGeom>
-          <a:solidFill>
-            <a:schemeClr val="bg1">
-              <a:lumMod val="85000"/>
-            </a:schemeClr>
-          </a:solidFill>
-        </p:spPr>
-        <p:style>
-          <a:lnRef idx="2">
-            <a:schemeClr val="accent1">
-              <a:shade val="50000"/>
-            </a:schemeClr>
-          </a:lnRef>
-          <a:fillRef idx="1">
-            <a:schemeClr val="accent1"/>
-          </a:fillRef>
-          <a:effectRef idx="0">
-            <a:schemeClr val="accent1"/>
-          </a:effectRef>
-          <a:fontRef idx="minor">
-            <a:schemeClr val="lt1"/>
-          </a:fontRef>
-        </p:style>
-        <p:txBody>
-          <a:bodyPr rtlCol="0" anchor="ctr"/>
-          <a:lstStyle/>
-          <a:p>
-            <a:pPr algn="ctr"/>
-            <a:r>
-              <a:rPr lang="en-US" dirty="0">
-                <a:solidFill>
-                  <a:schemeClr val="tx1"/>
-                </a:solidFill>
-              </a:rPr>
-              <a:t>GridSeachCV</a:t>
-            </a:r>
-          </a:p>
-        </p:txBody>
-      </p:sp>
-      <p:sp>
-        <p:nvSpPr>
-          <p:cNvPr id="29" name="Down Arrow 28"/>
-          <p:cNvSpPr/>
-          <p:nvPr/>
-        </p:nvSpPr>
-        <p:spPr>
-          <a:xfrm flipH="1">
-            <a:off x="5471369" y="3471930"/>
-            <a:ext cx="225566" cy="710717"/>
-          </a:xfrm>
-          <a:prstGeom prst="downArrow">
-            <a:avLst/>
-          </a:prstGeom>
-          <a:solidFill>
-            <a:schemeClr val="bg1">
-              <a:lumMod val="85000"/>
-            </a:schemeClr>
-          </a:solidFill>
-        </p:spPr>
-        <p:style>
-          <a:lnRef idx="2">
-            <a:schemeClr val="accent1">
-              <a:shade val="50000"/>
-            </a:schemeClr>
-          </a:lnRef>
-          <a:fillRef idx="1">
-            <a:schemeClr val="accent1"/>
-          </a:fillRef>
-          <a:effectRef idx="0">
-            <a:schemeClr val="accent1"/>
-          </a:effectRef>
-          <a:fontRef idx="minor">
-            <a:schemeClr val="lt1"/>
-          </a:fontRef>
-        </p:style>
-        <p:txBody>
-          <a:bodyPr rtlCol="0" anchor="ctr"/>
-          <a:lstStyle/>
-          <a:p>
-            <a:pPr algn="ctr"/>
-            <a:endParaRPr lang="en-US"/>
-          </a:p>
-        </p:txBody>
-      </p:sp>
-      <p:sp>
-        <p:nvSpPr>
-          <p:cNvPr id="24" name="Flowchart: Connector 23"/>
-          <p:cNvSpPr/>
-          <p:nvPr/>
-        </p:nvSpPr>
-        <p:spPr>
-          <a:xfrm>
-            <a:off x="7748381" y="2274067"/>
-            <a:ext cx="1280160" cy="1280160"/>
-          </a:xfrm>
-          <a:prstGeom prst="flowChartConnector">
-            <a:avLst/>
-          </a:prstGeom>
-          <a:solidFill>
-            <a:schemeClr val="accent6">
-              <a:lumMod val="20000"/>
-              <a:lumOff val="80000"/>
-            </a:schemeClr>
-          </a:solidFill>
-        </p:spPr>
-        <p:style>
-          <a:lnRef idx="2">
-            <a:schemeClr val="accent1">
-              <a:shade val="50000"/>
-            </a:schemeClr>
-          </a:lnRef>
-          <a:fillRef idx="1">
-            <a:schemeClr val="accent1"/>
-          </a:fillRef>
-          <a:effectRef idx="0">
-            <a:schemeClr val="accent1"/>
-          </a:effectRef>
-          <a:fontRef idx="minor">
-            <a:schemeClr val="lt1"/>
-          </a:fontRef>
-        </p:style>
-        <p:txBody>
-          <a:bodyPr rtlCol="0" anchor="ctr"/>
-          <a:lstStyle/>
-          <a:p>
-            <a:pPr algn="ctr"/>
-            <a:r>
-              <a:rPr lang="en-US" sz="1100" smtClean="0">
-                <a:solidFill>
-                  <a:schemeClr val="tx1"/>
-                </a:solidFill>
-              </a:rPr>
-              <a:t>Random Forest </a:t>
-            </a:r>
-            <a:r>
-              <a:rPr lang="en-US" sz="1100" dirty="0">
-                <a:solidFill>
-                  <a:schemeClr val="tx1"/>
-                </a:solidFill>
-              </a:rPr>
-              <a:t>Regressor</a:t>
-            </a:r>
-          </a:p>
-        </p:txBody>
-      </p:sp>
-      <p:cxnSp>
-        <p:nvCxnSpPr>
-          <p:cNvPr id="6" name="Straight Arrow Connector 5"/>
-          <p:cNvCxnSpPr>
-            <a:stCxn id="9" idx="2"/>
-            <a:endCxn id="24" idx="0"/>
-          </p:cNvCxnSpPr>
-          <p:nvPr/>
-        </p:nvCxnSpPr>
-        <p:spPr>
-          <a:xfrm>
-            <a:off x="6958712" y="1717481"/>
-            <a:ext cx="1429749" cy="556586"/>
-          </a:xfrm>
-          <a:prstGeom prst="straightConnector1">
-            <a:avLst/>
-          </a:prstGeom>
-          <a:ln>
-            <a:tailEnd type="triangle"/>
-          </a:ln>
-        </p:spPr>
-        <p:style>
-          <a:lnRef idx="1">
-            <a:schemeClr val="accent1"/>
-          </a:lnRef>
-          <a:fillRef idx="0">
-            <a:schemeClr val="accent1"/>
-          </a:fillRef>
-          <a:effectRef idx="0">
-            <a:schemeClr val="accent1"/>
-          </a:effectRef>
-          <a:fontRef idx="minor">
-            <a:schemeClr val="tx1"/>
-          </a:fontRef>
-        </p:style>
-      </p:cxnSp>
-      <p:sp>
-        <p:nvSpPr>
-          <p:cNvPr id="26" name="Down Arrow 25"/>
-          <p:cNvSpPr/>
-          <p:nvPr/>
-        </p:nvSpPr>
-        <p:spPr>
-          <a:xfrm flipH="1">
-            <a:off x="8269323" y="3550252"/>
-            <a:ext cx="225566" cy="710717"/>
-          </a:xfrm>
-          <a:prstGeom prst="downArrow">
-            <a:avLst/>
-          </a:prstGeom>
-          <a:solidFill>
-            <a:schemeClr val="bg1">
-              <a:lumMod val="85000"/>
-            </a:schemeClr>
-          </a:solidFill>
-        </p:spPr>
-        <p:style>
-          <a:lnRef idx="2">
-            <a:schemeClr val="accent1">
-              <a:shade val="50000"/>
-            </a:schemeClr>
-          </a:lnRef>
-          <a:fillRef idx="1">
-            <a:schemeClr val="accent1"/>
-          </a:fillRef>
-          <a:effectRef idx="0">
-            <a:schemeClr val="accent1"/>
-          </a:effectRef>
-          <a:fontRef idx="minor">
-            <a:schemeClr val="lt1"/>
-          </a:fontRef>
-        </p:style>
-        <p:txBody>
-          <a:bodyPr rtlCol="0" anchor="ctr"/>
-          <a:lstStyle/>
-          <a:p>
-            <a:pPr algn="ctr"/>
-            <a:endParaRPr lang="en-US"/>
-          </a:p>
-        </p:txBody>
-      </p:sp>
-      <p:sp>
-        <p:nvSpPr>
-          <p:cNvPr id="30" name="Rectangle 29"/>
-          <p:cNvSpPr/>
-          <p:nvPr/>
-        </p:nvSpPr>
-        <p:spPr>
-          <a:xfrm>
-            <a:off x="7491013" y="4256994"/>
-            <a:ext cx="1637969" cy="532738"/>
-          </a:xfrm>
-          <a:prstGeom prst="rect">
-            <a:avLst/>
-          </a:prstGeom>
-          <a:solidFill>
-            <a:schemeClr val="bg1">
-              <a:lumMod val="85000"/>
-            </a:schemeClr>
-          </a:solidFill>
-        </p:spPr>
-        <p:style>
-          <a:lnRef idx="2">
-            <a:schemeClr val="accent1">
-              <a:shade val="50000"/>
-            </a:schemeClr>
-          </a:lnRef>
-          <a:fillRef idx="1">
-            <a:schemeClr val="accent1"/>
-          </a:fillRef>
-          <a:effectRef idx="0">
-            <a:schemeClr val="accent1"/>
-          </a:effectRef>
-          <a:fontRef idx="minor">
-            <a:schemeClr val="lt1"/>
-          </a:fontRef>
-        </p:style>
-        <p:txBody>
-          <a:bodyPr rtlCol="0" anchor="ctr"/>
-          <a:lstStyle/>
-          <a:p>
-            <a:pPr algn="ctr"/>
-            <a:r>
-              <a:rPr lang="en-US" dirty="0" smtClean="0">
-                <a:solidFill>
-                  <a:schemeClr val="tx1"/>
-                </a:solidFill>
-              </a:rPr>
-              <a:t>RandomizedSearchCV</a:t>
-            </a:r>
-            <a:endParaRPr lang="en-US" dirty="0">
-              <a:solidFill>
-                <a:schemeClr val="tx1"/>
-              </a:solidFill>
-            </a:endParaRPr>
           </a:p>
         </p:txBody>
       </p:sp>
